--- a/Project/Slides/5) Forecast Simone to continue.pptx
+++ b/Project/Slides/5) Forecast Simone to continue.pptx
@@ -107,6 +107,11 @@
       </a:defRPr>
     </a:lvl9pPr>
   </p:defaultTextStyle>
+  <p:extLst>
+    <p:ext uri="{EFAFB233-063F-42B5-8137-9DF3F51BA10A}">
+      <p15:sldGuideLst xmlns:p15="http://schemas.microsoft.com/office/powerpoint/2012/main"/>
+    </p:ext>
+  </p:extLst>
 </p:presentation>
 </file>
 
@@ -120,6 +125,280 @@
     </p:extLst>
   </p:cmAuthor>
 </p:cmAuthorLst>
+</file>
+
+<file path=ppt/revisionInfo.xml><?xml version="1.0" encoding="utf-8"?>
+<p1510:revInfo xmlns:a="http://schemas.openxmlformats.org/drawingml/2006/main" xmlns:r="http://schemas.openxmlformats.org/officeDocument/2006/relationships" xmlns:p1510="http://schemas.microsoft.com/office/powerpoint/2015/10/main">
+  <p1510:revLst>
+    <p1510:client id="{507D7496-B3F9-47AF-B2EF-DEBAF4302CAD}" v="17" dt="2020-06-16T12:33:04.378"/>
+  </p1510:revLst>
+</p1510:revInfo>
+</file>
+
+<file path=ppt/changesInfos/changesInfo1.xml><?xml version="1.0" encoding="utf-8"?>
+<pc:chgInfo xmlns:a="http://schemas.openxmlformats.org/drawingml/2006/main" xmlns:r="http://schemas.openxmlformats.org/officeDocument/2006/relationships" xmlns:ac="http://schemas.microsoft.com/office/drawing/2013/main/command" xmlns:pc="http://schemas.microsoft.com/office/powerpoint/2013/main/command">
+  <pc:docChgLst>
+    <pc:chgData name="simone.luca.lucchesi@gmail.com" userId="f678740a5a93c0b5" providerId="LiveId" clId="{507D7496-B3F9-47AF-B2EF-DEBAF4302CAD}"/>
+    <pc:docChg chg="custSel modSld">
+      <pc:chgData name="simone.luca.lucchesi@gmail.com" userId="f678740a5a93c0b5" providerId="LiveId" clId="{507D7496-B3F9-47AF-B2EF-DEBAF4302CAD}" dt="2020-06-16T12:35:11.290" v="2406" actId="113"/>
+      <pc:docMkLst>
+        <pc:docMk/>
+      </pc:docMkLst>
+      <pc:sldChg chg="modSp">
+        <pc:chgData name="simone.luca.lucchesi@gmail.com" userId="f678740a5a93c0b5" providerId="LiveId" clId="{507D7496-B3F9-47AF-B2EF-DEBAF4302CAD}" dt="2020-06-16T12:25:25.093" v="1728" actId="113"/>
+        <pc:sldMkLst>
+          <pc:docMk/>
+          <pc:sldMk cId="564694496" sldId="257"/>
+        </pc:sldMkLst>
+        <pc:spChg chg="mod">
+          <ac:chgData name="simone.luca.lucchesi@gmail.com" userId="f678740a5a93c0b5" providerId="LiveId" clId="{507D7496-B3F9-47AF-B2EF-DEBAF4302CAD}" dt="2020-06-16T12:25:25.093" v="1728" actId="113"/>
+          <ac:spMkLst>
+            <pc:docMk/>
+            <pc:sldMk cId="564694496" sldId="257"/>
+            <ac:spMk id="3" creationId="{37822209-1380-4E35-A2DD-EC363D703766}"/>
+          </ac:spMkLst>
+        </pc:spChg>
+      </pc:sldChg>
+      <pc:sldChg chg="modSp">
+        <pc:chgData name="simone.luca.lucchesi@gmail.com" userId="f678740a5a93c0b5" providerId="LiveId" clId="{507D7496-B3F9-47AF-B2EF-DEBAF4302CAD}" dt="2020-06-16T12:23:13.338" v="1548" actId="113"/>
+        <pc:sldMkLst>
+          <pc:docMk/>
+          <pc:sldMk cId="3278446495" sldId="258"/>
+        </pc:sldMkLst>
+        <pc:spChg chg="mod">
+          <ac:chgData name="simone.luca.lucchesi@gmail.com" userId="f678740a5a93c0b5" providerId="LiveId" clId="{507D7496-B3F9-47AF-B2EF-DEBAF4302CAD}" dt="2020-06-16T12:23:13.338" v="1548" actId="113"/>
+          <ac:spMkLst>
+            <pc:docMk/>
+            <pc:sldMk cId="3278446495" sldId="258"/>
+            <ac:spMk id="3" creationId="{0C74C6AE-DDA5-43D6-B608-B80FEB3AC133}"/>
+          </ac:spMkLst>
+        </pc:spChg>
+      </pc:sldChg>
+      <pc:sldChg chg="addSp delSp modSp">
+        <pc:chgData name="simone.luca.lucchesi@gmail.com" userId="f678740a5a93c0b5" providerId="LiveId" clId="{507D7496-B3F9-47AF-B2EF-DEBAF4302CAD}" dt="2020-06-16T12:23:31.290" v="1551" actId="2711"/>
+        <pc:sldMkLst>
+          <pc:docMk/>
+          <pc:sldMk cId="101895646" sldId="259"/>
+        </pc:sldMkLst>
+        <pc:spChg chg="mod">
+          <ac:chgData name="simone.luca.lucchesi@gmail.com" userId="f678740a5a93c0b5" providerId="LiveId" clId="{507D7496-B3F9-47AF-B2EF-DEBAF4302CAD}" dt="2020-06-16T12:23:31.290" v="1551" actId="2711"/>
+          <ac:spMkLst>
+            <pc:docMk/>
+            <pc:sldMk cId="101895646" sldId="259"/>
+            <ac:spMk id="2" creationId="{D1359DA2-AEAC-4129-BA19-5A873310C6B9}"/>
+          </ac:spMkLst>
+        </pc:spChg>
+        <pc:spChg chg="mod">
+          <ac:chgData name="simone.luca.lucchesi@gmail.com" userId="f678740a5a93c0b5" providerId="LiveId" clId="{507D7496-B3F9-47AF-B2EF-DEBAF4302CAD}" dt="2020-06-16T12:19:42.263" v="1335" actId="20577"/>
+          <ac:spMkLst>
+            <pc:docMk/>
+            <pc:sldMk cId="101895646" sldId="259"/>
+            <ac:spMk id="7" creationId="{78A99BF4-7B22-4D88-BF97-15D0CD350DBF}"/>
+          </ac:spMkLst>
+        </pc:spChg>
+        <pc:spChg chg="add del mod">
+          <ac:chgData name="simone.luca.lucchesi@gmail.com" userId="f678740a5a93c0b5" providerId="LiveId" clId="{507D7496-B3F9-47AF-B2EF-DEBAF4302CAD}" dt="2020-06-16T12:09:14.754" v="306"/>
+          <ac:spMkLst>
+            <pc:docMk/>
+            <pc:sldMk cId="101895646" sldId="259"/>
+            <ac:spMk id="8" creationId="{A329F088-CB3C-43F3-9957-DA3B7F946116}"/>
+          </ac:spMkLst>
+        </pc:spChg>
+        <pc:picChg chg="del">
+          <ac:chgData name="simone.luca.lucchesi@gmail.com" userId="f678740a5a93c0b5" providerId="LiveId" clId="{507D7496-B3F9-47AF-B2EF-DEBAF4302CAD}" dt="2020-06-16T12:08:57.493" v="303" actId="478"/>
+          <ac:picMkLst>
+            <pc:docMk/>
+            <pc:sldMk cId="101895646" sldId="259"/>
+            <ac:picMk id="4" creationId="{59B4F841-2B4F-48AF-8375-53481531F6DD}"/>
+          </ac:picMkLst>
+        </pc:picChg>
+        <pc:picChg chg="del">
+          <ac:chgData name="simone.luca.lucchesi@gmail.com" userId="f678740a5a93c0b5" providerId="LiveId" clId="{507D7496-B3F9-47AF-B2EF-DEBAF4302CAD}" dt="2020-06-16T12:09:03.950" v="304" actId="478"/>
+          <ac:picMkLst>
+            <pc:docMk/>
+            <pc:sldMk cId="101895646" sldId="259"/>
+            <ac:picMk id="5" creationId="{0E8879E0-E2E8-429E-B219-EFC5CC954F6C}"/>
+          </ac:picMkLst>
+        </pc:picChg>
+        <pc:picChg chg="del">
+          <ac:chgData name="simone.luca.lucchesi@gmail.com" userId="f678740a5a93c0b5" providerId="LiveId" clId="{507D7496-B3F9-47AF-B2EF-DEBAF4302CAD}" dt="2020-06-16T12:09:16.159" v="307" actId="478"/>
+          <ac:picMkLst>
+            <pc:docMk/>
+            <pc:sldMk cId="101895646" sldId="259"/>
+            <ac:picMk id="6" creationId="{40A9B347-350A-4891-9A44-B5DC1D454E6A}"/>
+          </ac:picMkLst>
+        </pc:picChg>
+        <pc:picChg chg="add mod">
+          <ac:chgData name="simone.luca.lucchesi@gmail.com" userId="f678740a5a93c0b5" providerId="LiveId" clId="{507D7496-B3F9-47AF-B2EF-DEBAF4302CAD}" dt="2020-06-16T12:15:10.777" v="827" actId="1076"/>
+          <ac:picMkLst>
+            <pc:docMk/>
+            <pc:sldMk cId="101895646" sldId="259"/>
+            <ac:picMk id="9" creationId="{4DDE6184-422D-4DA1-A709-D4515DD55DE4}"/>
+          </ac:picMkLst>
+        </pc:picChg>
+        <pc:picChg chg="add mod">
+          <ac:chgData name="simone.luca.lucchesi@gmail.com" userId="f678740a5a93c0b5" providerId="LiveId" clId="{507D7496-B3F9-47AF-B2EF-DEBAF4302CAD}" dt="2020-06-16T12:15:22.425" v="829" actId="1076"/>
+          <ac:picMkLst>
+            <pc:docMk/>
+            <pc:sldMk cId="101895646" sldId="259"/>
+            <ac:picMk id="10" creationId="{12138BC0-8AD7-426A-B2E0-FF654D317C64}"/>
+          </ac:picMkLst>
+        </pc:picChg>
+        <pc:picChg chg="add mod">
+          <ac:chgData name="simone.luca.lucchesi@gmail.com" userId="f678740a5a93c0b5" providerId="LiveId" clId="{507D7496-B3F9-47AF-B2EF-DEBAF4302CAD}" dt="2020-06-16T12:15:16.385" v="828" actId="1076"/>
+          <ac:picMkLst>
+            <pc:docMk/>
+            <pc:sldMk cId="101895646" sldId="259"/>
+            <ac:picMk id="11" creationId="{CC1CB768-EDD0-4F32-A466-27A3696B0211}"/>
+          </ac:picMkLst>
+        </pc:picChg>
+      </pc:sldChg>
+      <pc:sldChg chg="addSp delSp modSp">
+        <pc:chgData name="simone.luca.lucchesi@gmail.com" userId="f678740a5a93c0b5" providerId="LiveId" clId="{507D7496-B3F9-47AF-B2EF-DEBAF4302CAD}" dt="2020-06-16T12:35:11.290" v="2406" actId="113"/>
+        <pc:sldMkLst>
+          <pc:docMk/>
+          <pc:sldMk cId="15991354" sldId="260"/>
+        </pc:sldMkLst>
+        <pc:spChg chg="mod">
+          <ac:chgData name="simone.luca.lucchesi@gmail.com" userId="f678740a5a93c0b5" providerId="LiveId" clId="{507D7496-B3F9-47AF-B2EF-DEBAF4302CAD}" dt="2020-06-16T12:22:47.328" v="1547" actId="27636"/>
+          <ac:spMkLst>
+            <pc:docMk/>
+            <pc:sldMk cId="15991354" sldId="260"/>
+            <ac:spMk id="2" creationId="{34BEC249-A924-41FE-AC94-E7EAFD9495DB}"/>
+          </ac:spMkLst>
+        </pc:spChg>
+        <pc:spChg chg="mod">
+          <ac:chgData name="simone.luca.lucchesi@gmail.com" userId="f678740a5a93c0b5" providerId="LiveId" clId="{507D7496-B3F9-47AF-B2EF-DEBAF4302CAD}" dt="2020-06-16T12:31:45.973" v="2153" actId="20577"/>
+          <ac:spMkLst>
+            <pc:docMk/>
+            <pc:sldMk cId="15991354" sldId="260"/>
+            <ac:spMk id="3" creationId="{8B98E113-355C-4A7F-8BD8-287A0CF2D3FA}"/>
+          </ac:spMkLst>
+        </pc:spChg>
+        <pc:spChg chg="del mod">
+          <ac:chgData name="simone.luca.lucchesi@gmail.com" userId="f678740a5a93c0b5" providerId="LiveId" clId="{507D7496-B3F9-47AF-B2EF-DEBAF4302CAD}" dt="2020-06-16T12:26:58.363" v="1933"/>
+          <ac:spMkLst>
+            <pc:docMk/>
+            <pc:sldMk cId="15991354" sldId="260"/>
+            <ac:spMk id="6" creationId="{DD9EE029-85C3-4339-8596-70989D6B0E94}"/>
+          </ac:spMkLst>
+        </pc:spChg>
+        <pc:spChg chg="add del mod">
+          <ac:chgData name="simone.luca.lucchesi@gmail.com" userId="f678740a5a93c0b5" providerId="LiveId" clId="{507D7496-B3F9-47AF-B2EF-DEBAF4302CAD}" dt="2020-06-16T12:24:51.375" v="1677"/>
+          <ac:spMkLst>
+            <pc:docMk/>
+            <pc:sldMk cId="15991354" sldId="260"/>
+            <ac:spMk id="11" creationId="{E025F923-BE31-459D-865C-06E4389C0E67}"/>
+          </ac:spMkLst>
+        </pc:spChg>
+        <pc:spChg chg="add mod">
+          <ac:chgData name="simone.luca.lucchesi@gmail.com" userId="f678740a5a93c0b5" providerId="LiveId" clId="{507D7496-B3F9-47AF-B2EF-DEBAF4302CAD}" dt="2020-06-16T12:31:37.781" v="2147" actId="255"/>
+          <ac:spMkLst>
+            <pc:docMk/>
+            <pc:sldMk cId="15991354" sldId="260"/>
+            <ac:spMk id="12" creationId="{0461A714-1F4A-4C20-A32B-2983C8C8864A}"/>
+          </ac:spMkLst>
+        </pc:spChg>
+        <pc:spChg chg="add del mod">
+          <ac:chgData name="simone.luca.lucchesi@gmail.com" userId="f678740a5a93c0b5" providerId="LiveId" clId="{507D7496-B3F9-47AF-B2EF-DEBAF4302CAD}" dt="2020-06-16T12:33:02.277" v="2166" actId="478"/>
+          <ac:spMkLst>
+            <pc:docMk/>
+            <pc:sldMk cId="15991354" sldId="260"/>
+            <ac:spMk id="17" creationId="{DE73B053-D315-4391-AF76-8A6F5CE9B494}"/>
+          </ac:spMkLst>
+        </pc:spChg>
+        <pc:spChg chg="add mod">
+          <ac:chgData name="simone.luca.lucchesi@gmail.com" userId="f678740a5a93c0b5" providerId="LiveId" clId="{507D7496-B3F9-47AF-B2EF-DEBAF4302CAD}" dt="2020-06-16T12:35:11.290" v="2406" actId="113"/>
+          <ac:spMkLst>
+            <pc:docMk/>
+            <pc:sldMk cId="15991354" sldId="260"/>
+            <ac:spMk id="18" creationId="{FDC42E08-8C3B-4A8C-93EC-79BA43C8E1D8}"/>
+          </ac:spMkLst>
+        </pc:spChg>
+        <pc:picChg chg="del">
+          <ac:chgData name="simone.luca.lucchesi@gmail.com" userId="f678740a5a93c0b5" providerId="LiveId" clId="{507D7496-B3F9-47AF-B2EF-DEBAF4302CAD}" dt="2020-06-16T12:20:27.642" v="1392" actId="478"/>
+          <ac:picMkLst>
+            <pc:docMk/>
+            <pc:sldMk cId="15991354" sldId="260"/>
+            <ac:picMk id="4" creationId="{0408A3CC-1365-4F02-A73D-0856526ACEBD}"/>
+          </ac:picMkLst>
+        </pc:picChg>
+        <pc:picChg chg="del">
+          <ac:chgData name="simone.luca.lucchesi@gmail.com" userId="f678740a5a93c0b5" providerId="LiveId" clId="{507D7496-B3F9-47AF-B2EF-DEBAF4302CAD}" dt="2020-06-16T12:21:24.490" v="1493" actId="478"/>
+          <ac:picMkLst>
+            <pc:docMk/>
+            <pc:sldMk cId="15991354" sldId="260"/>
+            <ac:picMk id="5" creationId="{745AF0D2-8F97-4A8D-85AA-FEA06B692672}"/>
+          </ac:picMkLst>
+        </pc:picChg>
+        <pc:picChg chg="del mod">
+          <ac:chgData name="simone.luca.lucchesi@gmail.com" userId="f678740a5a93c0b5" providerId="LiveId" clId="{507D7496-B3F9-47AF-B2EF-DEBAF4302CAD}" dt="2020-06-16T12:27:51.122" v="2024" actId="478"/>
+          <ac:picMkLst>
+            <pc:docMk/>
+            <pc:sldMk cId="15991354" sldId="260"/>
+            <ac:picMk id="7" creationId="{0667C2DB-C56D-463D-B6BF-1C771BB79FEB}"/>
+          </ac:picMkLst>
+        </pc:picChg>
+        <pc:picChg chg="del">
+          <ac:chgData name="simone.luca.lucchesi@gmail.com" userId="f678740a5a93c0b5" providerId="LiveId" clId="{507D7496-B3F9-47AF-B2EF-DEBAF4302CAD}" dt="2020-06-16T12:27:51.873" v="2025" actId="478"/>
+          <ac:picMkLst>
+            <pc:docMk/>
+            <pc:sldMk cId="15991354" sldId="260"/>
+            <ac:picMk id="8" creationId="{9A1EE70E-6A5D-49E2-95A1-D0D3D52A03DB}"/>
+          </ac:picMkLst>
+        </pc:picChg>
+        <pc:picChg chg="add mod">
+          <ac:chgData name="simone.luca.lucchesi@gmail.com" userId="f678740a5a93c0b5" providerId="LiveId" clId="{507D7496-B3F9-47AF-B2EF-DEBAF4302CAD}" dt="2020-06-16T12:22:27.019" v="1504" actId="1076"/>
+          <ac:picMkLst>
+            <pc:docMk/>
+            <pc:sldMk cId="15991354" sldId="260"/>
+            <ac:picMk id="9" creationId="{3ECBEE74-FD90-428F-8F67-2F534ED50F46}"/>
+          </ac:picMkLst>
+        </pc:picChg>
+        <pc:picChg chg="add mod">
+          <ac:chgData name="simone.luca.lucchesi@gmail.com" userId="f678740a5a93c0b5" providerId="LiveId" clId="{507D7496-B3F9-47AF-B2EF-DEBAF4302CAD}" dt="2020-06-16T12:22:25.374" v="1503" actId="1076"/>
+          <ac:picMkLst>
+            <pc:docMk/>
+            <pc:sldMk cId="15991354" sldId="260"/>
+            <ac:picMk id="10" creationId="{3576AE89-9AA6-40B8-81BF-40E0FE5EE5E1}"/>
+          </ac:picMkLst>
+        </pc:picChg>
+        <pc:picChg chg="add mod">
+          <ac:chgData name="simone.luca.lucchesi@gmail.com" userId="f678740a5a93c0b5" providerId="LiveId" clId="{507D7496-B3F9-47AF-B2EF-DEBAF4302CAD}" dt="2020-06-16T12:28:43.586" v="2029" actId="1076"/>
+          <ac:picMkLst>
+            <pc:docMk/>
+            <pc:sldMk cId="15991354" sldId="260"/>
+            <ac:picMk id="13" creationId="{620DF53E-CFD0-4939-A779-ECC16AD5A097}"/>
+          </ac:picMkLst>
+        </pc:picChg>
+        <pc:picChg chg="add mod">
+          <ac:chgData name="simone.luca.lucchesi@gmail.com" userId="f678740a5a93c0b5" providerId="LiveId" clId="{507D7496-B3F9-47AF-B2EF-DEBAF4302CAD}" dt="2020-06-16T12:29:08.251" v="2034" actId="1076"/>
+          <ac:picMkLst>
+            <pc:docMk/>
+            <pc:sldMk cId="15991354" sldId="260"/>
+            <ac:picMk id="14" creationId="{B91CBBE8-0ECC-46F3-8847-2FA6C894BCDB}"/>
+          </ac:picMkLst>
+        </pc:picChg>
+        <pc:picChg chg="add mod">
+          <ac:chgData name="simone.luca.lucchesi@gmail.com" userId="f678740a5a93c0b5" providerId="LiveId" clId="{507D7496-B3F9-47AF-B2EF-DEBAF4302CAD}" dt="2020-06-16T12:32:30.745" v="2161" actId="14100"/>
+          <ac:picMkLst>
+            <pc:docMk/>
+            <pc:sldMk cId="15991354" sldId="260"/>
+            <ac:picMk id="15" creationId="{45A1A5FE-3856-4334-9D92-E8203DECF6CF}"/>
+          </ac:picMkLst>
+        </pc:picChg>
+        <pc:picChg chg="add mod">
+          <ac:chgData name="simone.luca.lucchesi@gmail.com" userId="f678740a5a93c0b5" providerId="LiveId" clId="{507D7496-B3F9-47AF-B2EF-DEBAF4302CAD}" dt="2020-06-16T12:32:35.472" v="2163" actId="14100"/>
+          <ac:picMkLst>
+            <pc:docMk/>
+            <pc:sldMk cId="15991354" sldId="260"/>
+            <ac:picMk id="16" creationId="{EDD99B09-6D83-4F5D-88AA-9767F21E2278}"/>
+          </ac:picMkLst>
+        </pc:picChg>
+      </pc:sldChg>
+    </pc:docChg>
+  </pc:docChgLst>
+</pc:chgInfo>
 </file>
 
 <file path=ppt/slideLayouts/slideLayout1.xml><?xml version="1.0" encoding="utf-8"?>
@@ -269,7 +548,7 @@
           <a:p>
             <a:fld id="{FDB31483-DC82-4124-960E-437C0689293E}" type="datetimeFigureOut">
               <a:rPr lang="it-IT" smtClean="0"/>
-              <a:t>08/06/2020</a:t>
+              <a:t>16/06/2020</a:t>
             </a:fld>
             <a:endParaRPr lang="it-IT"/>
           </a:p>
@@ -467,7 +746,7 @@
           <a:p>
             <a:fld id="{FDB31483-DC82-4124-960E-437C0689293E}" type="datetimeFigureOut">
               <a:rPr lang="it-IT" smtClean="0"/>
-              <a:t>08/06/2020</a:t>
+              <a:t>16/06/2020</a:t>
             </a:fld>
             <a:endParaRPr lang="it-IT"/>
           </a:p>
@@ -675,7 +954,7 @@
           <a:p>
             <a:fld id="{FDB31483-DC82-4124-960E-437C0689293E}" type="datetimeFigureOut">
               <a:rPr lang="it-IT" smtClean="0"/>
-              <a:t>08/06/2020</a:t>
+              <a:t>16/06/2020</a:t>
             </a:fld>
             <a:endParaRPr lang="it-IT"/>
           </a:p>
@@ -873,7 +1152,7 @@
           <a:p>
             <a:fld id="{FDB31483-DC82-4124-960E-437C0689293E}" type="datetimeFigureOut">
               <a:rPr lang="it-IT" smtClean="0"/>
-              <a:t>08/06/2020</a:t>
+              <a:t>16/06/2020</a:t>
             </a:fld>
             <a:endParaRPr lang="it-IT"/>
           </a:p>
@@ -1148,7 +1427,7 @@
           <a:p>
             <a:fld id="{FDB31483-DC82-4124-960E-437C0689293E}" type="datetimeFigureOut">
               <a:rPr lang="it-IT" smtClean="0"/>
-              <a:t>08/06/2020</a:t>
+              <a:t>16/06/2020</a:t>
             </a:fld>
             <a:endParaRPr lang="it-IT"/>
           </a:p>
@@ -1413,7 +1692,7 @@
           <a:p>
             <a:fld id="{FDB31483-DC82-4124-960E-437C0689293E}" type="datetimeFigureOut">
               <a:rPr lang="it-IT" smtClean="0"/>
-              <a:t>08/06/2020</a:t>
+              <a:t>16/06/2020</a:t>
             </a:fld>
             <a:endParaRPr lang="it-IT"/>
           </a:p>
@@ -1825,7 +2104,7 @@
           <a:p>
             <a:fld id="{FDB31483-DC82-4124-960E-437C0689293E}" type="datetimeFigureOut">
               <a:rPr lang="it-IT" smtClean="0"/>
-              <a:t>08/06/2020</a:t>
+              <a:t>16/06/2020</a:t>
             </a:fld>
             <a:endParaRPr lang="it-IT"/>
           </a:p>
@@ -1966,7 +2245,7 @@
           <a:p>
             <a:fld id="{FDB31483-DC82-4124-960E-437C0689293E}" type="datetimeFigureOut">
               <a:rPr lang="it-IT" smtClean="0"/>
-              <a:t>08/06/2020</a:t>
+              <a:t>16/06/2020</a:t>
             </a:fld>
             <a:endParaRPr lang="it-IT"/>
           </a:p>
@@ -2079,7 +2358,7 @@
           <a:p>
             <a:fld id="{FDB31483-DC82-4124-960E-437C0689293E}" type="datetimeFigureOut">
               <a:rPr lang="it-IT" smtClean="0"/>
-              <a:t>08/06/2020</a:t>
+              <a:t>16/06/2020</a:t>
             </a:fld>
             <a:endParaRPr lang="it-IT"/>
           </a:p>
@@ -2390,7 +2669,7 @@
           <a:p>
             <a:fld id="{FDB31483-DC82-4124-960E-437C0689293E}" type="datetimeFigureOut">
               <a:rPr lang="it-IT" smtClean="0"/>
-              <a:t>08/06/2020</a:t>
+              <a:t>16/06/2020</a:t>
             </a:fld>
             <a:endParaRPr lang="it-IT"/>
           </a:p>
@@ -2678,7 +2957,7 @@
           <a:p>
             <a:fld id="{FDB31483-DC82-4124-960E-437C0689293E}" type="datetimeFigureOut">
               <a:rPr lang="it-IT" smtClean="0"/>
-              <a:t>08/06/2020</a:t>
+              <a:t>16/06/2020</a:t>
             </a:fld>
             <a:endParaRPr lang="it-IT"/>
           </a:p>
@@ -2919,7 +3198,7 @@
           <a:p>
             <a:fld id="{FDB31483-DC82-4124-960E-437C0689293E}" type="datetimeFigureOut">
               <a:rPr lang="it-IT" smtClean="0"/>
-              <a:t>08/06/2020</a:t>
+              <a:t>16/06/2020</a:t>
             </a:fld>
             <a:endParaRPr lang="it-IT"/>
           </a:p>
@@ -3476,27 +3755,27 @@
               <a:buAutoNum type="arabicPeriod"/>
             </a:pPr>
             <a:r>
-              <a:rPr lang="it-IT" dirty="0" err="1"/>
+              <a:rPr lang="it-IT" b="1" dirty="0" err="1"/>
               <a:t>Dividend</a:t>
             </a:r>
             <a:r>
-              <a:rPr lang="it-IT" dirty="0"/>
+              <a:rPr lang="it-IT" b="1" dirty="0"/>
               <a:t> discount model (</a:t>
             </a:r>
             <a:r>
-              <a:rPr lang="it-IT" u="sng" dirty="0" err="1"/>
+              <a:rPr lang="it-IT" b="1" u="sng" dirty="0" err="1"/>
               <a:t>strict</a:t>
             </a:r>
             <a:r>
-              <a:rPr lang="it-IT" dirty="0"/>
+              <a:rPr lang="it-IT" b="1" dirty="0"/>
               <a:t>) </a:t>
             </a:r>
             <a:r>
-              <a:rPr lang="it-IT" dirty="0" err="1"/>
+              <a:rPr lang="it-IT" b="1" dirty="0" err="1"/>
               <a:t>assumptions</a:t>
             </a:r>
             <a:r>
-              <a:rPr lang="it-IT" dirty="0"/>
+              <a:rPr lang="it-IT" b="1" dirty="0"/>
               <a:t> </a:t>
             </a:r>
           </a:p>
@@ -3603,6 +3882,50 @@
               <a:rPr lang="it-IT" dirty="0"/>
               <a:t>). </a:t>
             </a:r>
+            <a:r>
+              <a:rPr lang="it-IT" i="1" dirty="0" err="1"/>
+              <a:t>This</a:t>
+            </a:r>
+            <a:r>
+              <a:rPr lang="it-IT" i="1" dirty="0"/>
+              <a:t> </a:t>
+            </a:r>
+            <a:r>
+              <a:rPr lang="it-IT" i="1" dirty="0" err="1"/>
+              <a:t>is</a:t>
+            </a:r>
+            <a:r>
+              <a:rPr lang="it-IT" i="1" dirty="0"/>
+              <a:t> </a:t>
+            </a:r>
+            <a:r>
+              <a:rPr lang="it-IT" i="1" dirty="0" err="1"/>
+              <a:t>quite</a:t>
+            </a:r>
+            <a:r>
+              <a:rPr lang="it-IT" i="1" dirty="0"/>
+              <a:t> </a:t>
+            </a:r>
+            <a:r>
+              <a:rPr lang="it-IT" i="1" dirty="0" err="1"/>
+              <a:t>strict</a:t>
+            </a:r>
+            <a:r>
+              <a:rPr lang="it-IT" i="1" dirty="0"/>
+              <a:t> </a:t>
+            </a:r>
+            <a:r>
+              <a:rPr lang="it-IT" i="1" dirty="0" err="1"/>
+              <a:t>assumption</a:t>
+            </a:r>
+            <a:r>
+              <a:rPr lang="it-IT" i="1" dirty="0"/>
+              <a:t>.</a:t>
+            </a:r>
+            <a:r>
+              <a:rPr lang="it-IT" dirty="0"/>
+              <a:t> </a:t>
+            </a:r>
           </a:p>
           <a:p>
             <a:pPr lvl="2"/>
@@ -3729,7 +4052,7 @@
             </a:r>
             <a:r>
               <a:rPr lang="it-IT" dirty="0"/>
-              <a:t> rate of economy (1,5%). </a:t>
+              <a:t> rate of economy (1%). </a:t>
             </a:r>
           </a:p>
           <a:p>
@@ -4067,39 +4390,15 @@
             </a:r>
             <a:r>
               <a:rPr lang="it-IT" dirty="0"/>
-              <a:t> Beta to drop to utility </a:t>
-            </a:r>
-            <a:r>
-              <a:rPr lang="it-IT" dirty="0" err="1"/>
-              <a:t>sector</a:t>
-            </a:r>
-            <a:r>
-              <a:rPr lang="it-IT" dirty="0"/>
-              <a:t> (global) </a:t>
-            </a:r>
-            <a:r>
-              <a:rPr lang="it-IT" dirty="0" err="1"/>
-              <a:t>average</a:t>
-            </a:r>
-            <a:r>
-              <a:rPr lang="it-IT" dirty="0"/>
-              <a:t>: i.e. </a:t>
-            </a:r>
-            <a:r>
-              <a:rPr lang="it-IT" dirty="0" err="1"/>
-              <a:t>according</a:t>
-            </a:r>
-            <a:r>
-              <a:rPr lang="it-IT" dirty="0"/>
-              <a:t> to </a:t>
-            </a:r>
-            <a:r>
-              <a:rPr lang="it-IT" dirty="0" err="1"/>
-              <a:t>Damodaran</a:t>
-            </a:r>
-            <a:r>
-              <a:rPr lang="it-IT" dirty="0"/>
-              <a:t> Dataset 0,65 </a:t>
+              <a:t> Beta to be </a:t>
+            </a:r>
+            <a:r>
+              <a:rPr lang="it-IT" dirty="0" err="1"/>
+              <a:t>equal</a:t>
+            </a:r>
+            <a:r>
+              <a:rPr lang="it-IT" dirty="0"/>
+              <a:t> to market Beta, </a:t>
             </a:r>
             <a:r>
               <a:rPr lang="it-IT" dirty="0" err="1"/>
@@ -4107,7 +4406,7 @@
             </a:r>
             <a:r>
               <a:rPr lang="it-IT" dirty="0"/>
-              <a:t> to a cost of 5,38%. </a:t>
+              <a:t> to a cost of equity of 8,11%. </a:t>
             </a:r>
             <a:br>
               <a:rPr lang="it-IT" dirty="0"/>
@@ -4115,179 +4414,13 @@
             <a:br>
               <a:rPr lang="it-IT" dirty="0"/>
             </a:br>
-            <a:r>
-              <a:rPr lang="it-IT" sz="1800" b="1" dirty="0" err="1"/>
-              <a:t>Notice</a:t>
-            </a:r>
-            <a:r>
-              <a:rPr lang="it-IT" sz="1800" b="1" dirty="0"/>
-              <a:t>: </a:t>
-            </a:r>
-            <a:r>
-              <a:rPr lang="it-IT" sz="1800" dirty="0" err="1"/>
-              <a:t>this</a:t>
-            </a:r>
-            <a:r>
-              <a:rPr lang="it-IT" sz="1800" dirty="0"/>
-              <a:t> </a:t>
-            </a:r>
-            <a:r>
-              <a:rPr lang="it-IT" sz="1800" dirty="0" err="1"/>
-              <a:t>is</a:t>
-            </a:r>
-            <a:r>
-              <a:rPr lang="it-IT" sz="1800" dirty="0"/>
-              <a:t> </a:t>
-            </a:r>
-            <a:r>
-              <a:rPr lang="it-IT" sz="1800" dirty="0" err="1"/>
-              <a:t>clearly</a:t>
-            </a:r>
-            <a:r>
-              <a:rPr lang="it-IT" sz="1800" dirty="0"/>
-              <a:t> a </a:t>
-            </a:r>
-            <a:r>
-              <a:rPr lang="it-IT" sz="1800" dirty="0" err="1"/>
-              <a:t>strict</a:t>
-            </a:r>
-            <a:r>
-              <a:rPr lang="it-IT" sz="1800" dirty="0"/>
-              <a:t> </a:t>
-            </a:r>
-            <a:r>
-              <a:rPr lang="it-IT" sz="1800" dirty="0" err="1"/>
-              <a:t>assumption</a:t>
-            </a:r>
-            <a:r>
-              <a:rPr lang="it-IT" sz="1800" dirty="0"/>
-              <a:t>, in </a:t>
-            </a:r>
-            <a:r>
-              <a:rPr lang="it-IT" sz="1800" dirty="0" err="1"/>
-              <a:t>fact</a:t>
-            </a:r>
-            <a:r>
-              <a:rPr lang="it-IT" sz="1800" dirty="0"/>
-              <a:t> I </a:t>
-            </a:r>
-            <a:r>
-              <a:rPr lang="it-IT" sz="1800" dirty="0" err="1"/>
-              <a:t>did</a:t>
-            </a:r>
-            <a:r>
-              <a:rPr lang="it-IT" sz="1800" dirty="0"/>
-              <a:t> </a:t>
-            </a:r>
-            <a:r>
-              <a:rPr lang="it-IT" sz="1800" dirty="0" err="1"/>
-              <a:t>not</a:t>
-            </a:r>
-            <a:r>
-              <a:rPr lang="it-IT" sz="1800" dirty="0"/>
-              <a:t> </a:t>
-            </a:r>
-            <a:r>
-              <a:rPr lang="it-IT" sz="1800" dirty="0" err="1"/>
-              <a:t>consider</a:t>
-            </a:r>
-            <a:r>
-              <a:rPr lang="it-IT" sz="1800" dirty="0"/>
-              <a:t> Beta to </a:t>
-            </a:r>
-            <a:r>
-              <a:rPr lang="it-IT" sz="1800" dirty="0" err="1"/>
-              <a:t>align</a:t>
-            </a:r>
-            <a:r>
-              <a:rPr lang="it-IT" sz="1800" dirty="0"/>
-              <a:t> to market </a:t>
-            </a:r>
-            <a:r>
-              <a:rPr lang="it-IT" sz="1800" dirty="0" err="1"/>
-              <a:t>level</a:t>
-            </a:r>
-            <a:r>
-              <a:rPr lang="it-IT" sz="1800" dirty="0"/>
-              <a:t> (1) </a:t>
-            </a:r>
-            <a:r>
-              <a:rPr lang="it-IT" sz="1800" dirty="0" err="1"/>
-              <a:t>whereas</a:t>
-            </a:r>
-            <a:r>
-              <a:rPr lang="it-IT" sz="1800" dirty="0"/>
-              <a:t> to utility </a:t>
-            </a:r>
-            <a:r>
-              <a:rPr lang="it-IT" sz="1800" dirty="0" err="1"/>
-              <a:t>level</a:t>
-            </a:r>
-            <a:r>
-              <a:rPr lang="it-IT" sz="1800" dirty="0"/>
-              <a:t> </a:t>
-            </a:r>
-            <a:r>
-              <a:rPr lang="it-IT" sz="1800" dirty="0" err="1"/>
-              <a:t>which</a:t>
-            </a:r>
-            <a:r>
-              <a:rPr lang="it-IT" sz="1800" dirty="0"/>
-              <a:t> </a:t>
-            </a:r>
-            <a:r>
-              <a:rPr lang="it-IT" sz="1800" dirty="0" err="1"/>
-              <a:t>is</a:t>
-            </a:r>
-            <a:r>
-              <a:rPr lang="it-IT" sz="1800" dirty="0"/>
-              <a:t> </a:t>
-            </a:r>
-            <a:r>
-              <a:rPr lang="it-IT" sz="1800" dirty="0" err="1"/>
-              <a:t>less</a:t>
-            </a:r>
-            <a:r>
-              <a:rPr lang="it-IT" sz="1800" dirty="0"/>
-              <a:t> </a:t>
-            </a:r>
-            <a:r>
-              <a:rPr lang="it-IT" sz="1800" dirty="0" err="1"/>
-              <a:t>risky</a:t>
-            </a:r>
-            <a:r>
-              <a:rPr lang="it-IT" sz="1800" dirty="0"/>
-              <a:t> </a:t>
-            </a:r>
-            <a:r>
-              <a:rPr lang="it-IT" sz="1800" dirty="0" err="1"/>
-              <a:t>than</a:t>
-            </a:r>
-            <a:r>
-              <a:rPr lang="it-IT" sz="1800" dirty="0"/>
-              <a:t> market </a:t>
-            </a:r>
-            <a:r>
-              <a:rPr lang="it-IT" sz="1800" dirty="0" err="1"/>
-              <a:t>itself</a:t>
-            </a:r>
-            <a:r>
-              <a:rPr lang="it-IT" sz="1800" dirty="0"/>
-              <a:t>.</a:t>
-            </a:r>
+            <a:endParaRPr lang="it-IT" b="1" dirty="0"/>
           </a:p>
           <a:p>
             <a:pPr lvl="2">
               <a:buFont typeface="Wingdings" panose="05000000000000000000" pitchFamily="2" charset="2"/>
               <a:buChar char="§"/>
             </a:pPr>
-            <a:endParaRPr lang="it-IT" b="1" dirty="0"/>
-          </a:p>
-          <a:p>
-            <a:pPr lvl="2">
-              <a:buFont typeface="Wingdings" panose="05000000000000000000" pitchFamily="2" charset="2"/>
-              <a:buChar char="§"/>
-            </a:pPr>
             <a:r>
               <a:rPr lang="it-IT" dirty="0"/>
               <a:t>For </a:t>
@@ -4318,19 +4451,19 @@
             </a:r>
             <a:r>
               <a:rPr lang="it-IT" dirty="0" err="1"/>
-              <a:t>decreased</a:t>
-            </a:r>
-            <a:r>
-              <a:rPr lang="it-IT" dirty="0"/>
-              <a:t> </a:t>
-            </a:r>
-            <a:r>
-              <a:rPr lang="it-IT" dirty="0" err="1"/>
-              <a:t>linerly</a:t>
-            </a:r>
-            <a:r>
-              <a:rPr lang="it-IT" dirty="0"/>
-              <a:t> cost of equity, from 7,08% to 5,38%.</a:t>
+              <a:t>increased</a:t>
+            </a:r>
+            <a:r>
+              <a:rPr lang="it-IT" dirty="0"/>
+              <a:t> </a:t>
+            </a:r>
+            <a:r>
+              <a:rPr lang="it-IT" dirty="0" err="1"/>
+              <a:t>linearly</a:t>
+            </a:r>
+            <a:r>
+              <a:rPr lang="it-IT" dirty="0"/>
+              <a:t> cost of equity, from 7,08% to 8,11%.</a:t>
             </a:r>
           </a:p>
           <a:p>
@@ -4340,19 +4473,19 @@
           <a:p>
             <a:pPr lvl="1"/>
             <a:r>
-              <a:rPr lang="it-IT" dirty="0" err="1"/>
+              <a:rPr lang="it-IT" b="1" dirty="0" err="1"/>
               <a:t>Stable</a:t>
             </a:r>
             <a:r>
-              <a:rPr lang="it-IT" dirty="0"/>
-              <a:t> </a:t>
-            </a:r>
-            <a:r>
-              <a:rPr lang="it-IT" dirty="0" err="1"/>
+              <a:rPr lang="it-IT" b="1" dirty="0"/>
+              <a:t> </a:t>
+            </a:r>
+            <a:r>
+              <a:rPr lang="it-IT" b="1" dirty="0" err="1"/>
               <a:t>payout</a:t>
             </a:r>
             <a:r>
-              <a:rPr lang="it-IT" dirty="0"/>
+              <a:rPr lang="it-IT" b="1" dirty="0"/>
               <a:t> ratio </a:t>
             </a:r>
           </a:p>
@@ -4418,7 +4551,7 @@
             </a:r>
             <a:r>
               <a:rPr lang="it-IT" dirty="0" err="1"/>
-              <a:t>get</a:t>
+              <a:t>got</a:t>
             </a:r>
             <a:r>
               <a:rPr lang="it-IT" dirty="0"/>
@@ -4438,7 +4571,7 @@
             </a:r>
             <a:r>
               <a:rPr lang="it-IT" dirty="0"/>
-              <a:t> of 72,12% </a:t>
+              <a:t> of 88% </a:t>
             </a:r>
             <a:r>
               <a:rPr lang="it-IT" dirty="0" err="1"/>
@@ -4532,39 +4665,711 @@
           <a:lstStyle/>
           <a:p>
             <a:r>
-              <a:rPr lang="it-IT" sz="2800" b="1" dirty="0" err="1"/>
+              <a:rPr lang="it-IT" sz="2800" b="1" dirty="0" err="1">
+                <a:latin typeface="Calibri    "/>
+              </a:rPr>
               <a:t>Graphical</a:t>
             </a:r>
             <a:r>
-              <a:rPr lang="it-IT" sz="2800" b="1" dirty="0"/>
-              <a:t> </a:t>
-            </a:r>
-            <a:r>
-              <a:rPr lang="it-IT" sz="2800" b="1" dirty="0" err="1"/>
+              <a:rPr lang="it-IT" sz="2800" b="1" dirty="0">
+                <a:latin typeface="Calibri    "/>
+              </a:rPr>
+              <a:t> </a:t>
+            </a:r>
+            <a:r>
+              <a:rPr lang="it-IT" sz="2800" b="1" dirty="0" err="1">
+                <a:latin typeface="Calibri    "/>
+              </a:rPr>
               <a:t>results</a:t>
             </a:r>
             <a:r>
-              <a:rPr lang="it-IT" sz="2800" b="1" dirty="0"/>
-              <a:t> </a:t>
+              <a:rPr lang="it-IT" sz="2800" b="1" dirty="0">
+                <a:latin typeface="Calibri    "/>
+              </a:rPr>
+              <a:t> </a:t>
+            </a:r>
+          </a:p>
+        </p:txBody>
+      </p:sp>
+      <p:sp>
+        <p:nvSpPr>
+          <p:cNvPr id="7" name="CasellaDiTesto 6">
+            <a:extLst>
+              <a:ext uri="{FF2B5EF4-FFF2-40B4-BE49-F238E27FC236}">
+                <a16:creationId xmlns:a16="http://schemas.microsoft.com/office/drawing/2014/main" id="{78A99BF4-7B22-4D88-BF97-15D0CD350DBF}"/>
+              </a:ext>
+            </a:extLst>
+          </p:cNvPr>
+          <p:cNvSpPr txBox="1"/>
+          <p:nvPr/>
+        </p:nvSpPr>
+        <p:spPr>
+          <a:xfrm>
+            <a:off x="367903" y="4296031"/>
+            <a:ext cx="11586703" cy="2585323"/>
+          </a:xfrm>
+          <a:prstGeom prst="rect">
+            <a:avLst/>
+          </a:prstGeom>
+          <a:noFill/>
+        </p:spPr>
+        <p:txBody>
+          <a:bodyPr wrap="square" rtlCol="0">
+            <a:spAutoFit/>
+          </a:bodyPr>
+          <a:lstStyle/>
+          <a:p>
+            <a:r>
+              <a:rPr lang="it-IT" b="1" dirty="0" err="1"/>
+              <a:t>Comment</a:t>
+            </a:r>
+            <a:endParaRPr lang="it-IT" b="1" dirty="0"/>
+          </a:p>
+          <a:p>
+            <a:r>
+              <a:rPr lang="it-IT" dirty="0" err="1"/>
+              <a:t>Nowadays</a:t>
+            </a:r>
+            <a:r>
+              <a:rPr lang="it-IT" dirty="0"/>
+              <a:t>, </a:t>
+            </a:r>
+            <a:r>
+              <a:rPr lang="it-IT" dirty="0" err="1"/>
+              <a:t>given</a:t>
+            </a:r>
+            <a:r>
+              <a:rPr lang="it-IT" dirty="0"/>
+              <a:t> high </a:t>
+            </a:r>
+            <a:r>
+              <a:rPr lang="it-IT" dirty="0" err="1"/>
+              <a:t>volatility</a:t>
+            </a:r>
+            <a:r>
+              <a:rPr lang="it-IT" dirty="0"/>
+              <a:t> on markets, stock price </a:t>
+            </a:r>
+            <a:r>
+              <a:rPr lang="it-IT" dirty="0" err="1"/>
+              <a:t>moves</a:t>
+            </a:r>
+            <a:r>
+              <a:rPr lang="it-IT" dirty="0"/>
+              <a:t> </a:t>
+            </a:r>
+            <a:r>
+              <a:rPr lang="it-IT" dirty="0" err="1"/>
+              <a:t>around</a:t>
+            </a:r>
+            <a:r>
+              <a:rPr lang="it-IT" dirty="0"/>
+              <a:t> 1.20 and 1.35 making </a:t>
+            </a:r>
+            <a:r>
+              <a:rPr lang="it-IT" dirty="0" err="1"/>
+              <a:t>this</a:t>
+            </a:r>
+            <a:r>
+              <a:rPr lang="it-IT" dirty="0"/>
+              <a:t> model </a:t>
+            </a:r>
+            <a:r>
+              <a:rPr lang="it-IT" dirty="0" err="1"/>
+              <a:t>quite</a:t>
+            </a:r>
+            <a:r>
+              <a:rPr lang="it-IT" dirty="0"/>
+              <a:t> </a:t>
+            </a:r>
+            <a:r>
+              <a:rPr lang="it-IT" dirty="0" err="1"/>
+              <a:t>consistent</a:t>
+            </a:r>
+            <a:r>
+              <a:rPr lang="it-IT" b="1" dirty="0"/>
+              <a:t>.</a:t>
+            </a:r>
+            <a:br>
+              <a:rPr lang="it-IT" b="1" dirty="0"/>
+            </a:br>
+            <a:r>
+              <a:rPr lang="it-IT" dirty="0" err="1"/>
+              <a:t>As</a:t>
+            </a:r>
+            <a:r>
+              <a:rPr lang="it-IT" dirty="0"/>
+              <a:t> </a:t>
+            </a:r>
+            <a:r>
+              <a:rPr lang="it-IT" dirty="0" err="1"/>
+              <a:t>we</a:t>
+            </a:r>
+            <a:r>
+              <a:rPr lang="it-IT" dirty="0"/>
+              <a:t> know from </a:t>
+            </a:r>
+            <a:r>
+              <a:rPr lang="it-IT" dirty="0" err="1"/>
+              <a:t>financial</a:t>
+            </a:r>
+            <a:r>
+              <a:rPr lang="it-IT" dirty="0"/>
+              <a:t> theory </a:t>
+            </a:r>
+            <a:r>
+              <a:rPr lang="it-IT" dirty="0" err="1"/>
+              <a:t>we</a:t>
+            </a:r>
+            <a:r>
+              <a:rPr lang="it-IT" dirty="0"/>
+              <a:t> can </a:t>
+            </a:r>
+            <a:r>
+              <a:rPr lang="it-IT" dirty="0" err="1"/>
+              <a:t>consider</a:t>
+            </a:r>
+            <a:r>
+              <a:rPr lang="it-IT" dirty="0"/>
+              <a:t> </a:t>
+            </a:r>
+            <a:r>
+              <a:rPr lang="it-IT" dirty="0" err="1"/>
+              <a:t>this</a:t>
+            </a:r>
+            <a:r>
+              <a:rPr lang="it-IT" dirty="0"/>
+              <a:t> </a:t>
+            </a:r>
+            <a:r>
+              <a:rPr lang="it-IT" dirty="0" err="1"/>
+              <a:t>result</a:t>
+            </a:r>
+            <a:r>
+              <a:rPr lang="it-IT" dirty="0"/>
+              <a:t> </a:t>
+            </a:r>
+            <a:r>
+              <a:rPr lang="it-IT" dirty="0" err="1"/>
+              <a:t>as</a:t>
+            </a:r>
+            <a:r>
+              <a:rPr lang="it-IT" dirty="0"/>
+              <a:t> a </a:t>
+            </a:r>
+            <a:r>
+              <a:rPr lang="it-IT" dirty="0" err="1"/>
+              <a:t>sort</a:t>
+            </a:r>
+            <a:r>
+              <a:rPr lang="it-IT" dirty="0"/>
+              <a:t> of price-</a:t>
+            </a:r>
+            <a:r>
+              <a:rPr lang="it-IT" dirty="0" err="1"/>
+              <a:t>floor</a:t>
+            </a:r>
+            <a:r>
+              <a:rPr lang="it-IT" dirty="0"/>
+              <a:t> making A2A’s </a:t>
+            </a:r>
+            <a:r>
+              <a:rPr lang="it-IT" dirty="0" err="1"/>
+              <a:t>title</a:t>
+            </a:r>
+            <a:r>
+              <a:rPr lang="it-IT" dirty="0"/>
+              <a:t> </a:t>
+            </a:r>
+            <a:r>
+              <a:rPr lang="it-IT" dirty="0" err="1"/>
+              <a:t>undervalued</a:t>
+            </a:r>
+            <a:r>
+              <a:rPr lang="it-IT" dirty="0"/>
+              <a:t> by the market. </a:t>
+            </a:r>
+            <a:r>
+              <a:rPr lang="it-IT" dirty="0" err="1"/>
+              <a:t>This</a:t>
+            </a:r>
+            <a:r>
+              <a:rPr lang="it-IT" dirty="0"/>
+              <a:t> idea </a:t>
+            </a:r>
+            <a:r>
+              <a:rPr lang="it-IT" dirty="0" err="1"/>
+              <a:t>is</a:t>
+            </a:r>
+            <a:r>
+              <a:rPr lang="it-IT" dirty="0"/>
+              <a:t> </a:t>
+            </a:r>
+            <a:r>
+              <a:rPr lang="it-IT" dirty="0" err="1"/>
+              <a:t>also</a:t>
+            </a:r>
+            <a:r>
+              <a:rPr lang="it-IT" dirty="0"/>
+              <a:t> </a:t>
+            </a:r>
+            <a:r>
+              <a:rPr lang="it-IT" dirty="0" err="1"/>
+              <a:t>enforced</a:t>
+            </a:r>
+            <a:r>
+              <a:rPr lang="it-IT" dirty="0"/>
+              <a:t> by the </a:t>
+            </a:r>
+            <a:r>
+              <a:rPr lang="it-IT" dirty="0" err="1"/>
+              <a:t>fact</a:t>
+            </a:r>
+            <a:r>
+              <a:rPr lang="it-IT" dirty="0"/>
+              <a:t> </a:t>
+            </a:r>
+            <a:r>
+              <a:rPr lang="it-IT" dirty="0" err="1"/>
+              <a:t>we</a:t>
+            </a:r>
+            <a:r>
+              <a:rPr lang="it-IT" dirty="0"/>
+              <a:t> </a:t>
+            </a:r>
+            <a:r>
+              <a:rPr lang="it-IT" dirty="0" err="1"/>
+              <a:t>did</a:t>
+            </a:r>
+            <a:r>
+              <a:rPr lang="it-IT" dirty="0"/>
+              <a:t> </a:t>
+            </a:r>
+            <a:r>
+              <a:rPr lang="it-IT" dirty="0" err="1"/>
+              <a:t>not</a:t>
+            </a:r>
+            <a:r>
+              <a:rPr lang="it-IT" dirty="0"/>
+              <a:t> </a:t>
+            </a:r>
+            <a:r>
+              <a:rPr lang="it-IT" dirty="0" err="1"/>
+              <a:t>consider</a:t>
+            </a:r>
+            <a:r>
+              <a:rPr lang="it-IT" dirty="0"/>
+              <a:t> </a:t>
+            </a:r>
+            <a:r>
+              <a:rPr lang="it-IT" dirty="0" err="1"/>
+              <a:t>sustainability</a:t>
+            </a:r>
+            <a:r>
+              <a:rPr lang="it-IT" dirty="0"/>
+              <a:t> </a:t>
+            </a:r>
+            <a:r>
+              <a:rPr lang="it-IT" dirty="0" err="1"/>
+              <a:t>strength</a:t>
+            </a:r>
+            <a:r>
+              <a:rPr lang="it-IT" dirty="0"/>
+              <a:t> and </a:t>
+            </a:r>
+            <a:r>
+              <a:rPr lang="it-IT" dirty="0" err="1"/>
+              <a:t>its</a:t>
+            </a:r>
+            <a:r>
+              <a:rPr lang="it-IT" dirty="0"/>
+              <a:t> </a:t>
+            </a:r>
+            <a:r>
+              <a:rPr lang="it-IT" dirty="0" err="1"/>
+              <a:t>great</a:t>
+            </a:r>
+            <a:r>
+              <a:rPr lang="it-IT" dirty="0"/>
+              <a:t> ESG performances </a:t>
+            </a:r>
+            <a:r>
+              <a:rPr lang="it-IT" dirty="0" err="1"/>
+              <a:t>we</a:t>
+            </a:r>
+            <a:r>
+              <a:rPr lang="it-IT" dirty="0"/>
+              <a:t> </a:t>
+            </a:r>
+            <a:r>
+              <a:rPr lang="it-IT" dirty="0" err="1"/>
+              <a:t>discussed</a:t>
+            </a:r>
+            <a:r>
+              <a:rPr lang="it-IT" dirty="0"/>
+              <a:t> </a:t>
+            </a:r>
+            <a:r>
+              <a:rPr lang="it-IT" dirty="0" err="1"/>
+              <a:t>at</a:t>
+            </a:r>
+            <a:r>
+              <a:rPr lang="it-IT" dirty="0"/>
+              <a:t> the </a:t>
+            </a:r>
+            <a:r>
+              <a:rPr lang="it-IT" dirty="0" err="1"/>
+              <a:t>begin</a:t>
+            </a:r>
+            <a:r>
+              <a:rPr lang="it-IT" dirty="0"/>
+              <a:t> of </a:t>
+            </a:r>
+            <a:r>
+              <a:rPr lang="it-IT" dirty="0" err="1"/>
+              <a:t>research</a:t>
+            </a:r>
+            <a:r>
+              <a:rPr lang="it-IT" dirty="0"/>
+              <a:t>.   </a:t>
+            </a:r>
+          </a:p>
+          <a:p>
+            <a:r>
+              <a:rPr lang="it-IT" dirty="0" err="1"/>
+              <a:t>Anyway</a:t>
+            </a:r>
+            <a:r>
+              <a:rPr lang="it-IT" dirty="0"/>
+              <a:t>, </a:t>
+            </a:r>
+            <a:r>
+              <a:rPr lang="it-IT" dirty="0" err="1"/>
+              <a:t>this</a:t>
+            </a:r>
+            <a:r>
+              <a:rPr lang="it-IT" dirty="0"/>
+              <a:t> model </a:t>
+            </a:r>
+            <a:r>
+              <a:rPr lang="it-IT" dirty="0" err="1"/>
+              <a:t>could</a:t>
+            </a:r>
+            <a:r>
+              <a:rPr lang="it-IT" dirty="0"/>
+              <a:t> be </a:t>
+            </a:r>
+            <a:r>
+              <a:rPr lang="it-IT" dirty="0" err="1"/>
+              <a:t>considered</a:t>
+            </a:r>
+            <a:r>
+              <a:rPr lang="it-IT" dirty="0"/>
+              <a:t> «</a:t>
+            </a:r>
+            <a:r>
+              <a:rPr lang="it-IT" dirty="0" err="1"/>
+              <a:t>unstable</a:t>
+            </a:r>
+            <a:r>
+              <a:rPr lang="it-IT" dirty="0"/>
+              <a:t>» and </a:t>
+            </a:r>
+            <a:r>
+              <a:rPr lang="it-IT" dirty="0" err="1"/>
+              <a:t>it’s</a:t>
+            </a:r>
+            <a:r>
+              <a:rPr lang="it-IT" dirty="0"/>
+              <a:t> </a:t>
+            </a:r>
+            <a:r>
+              <a:rPr lang="it-IT" dirty="0" err="1"/>
+              <a:t>likely</a:t>
+            </a:r>
+            <a:r>
+              <a:rPr lang="it-IT" dirty="0"/>
+              <a:t> </a:t>
+            </a:r>
+            <a:r>
+              <a:rPr lang="it-IT" dirty="0" err="1"/>
+              <a:t>it</a:t>
+            </a:r>
+            <a:r>
+              <a:rPr lang="it-IT" dirty="0"/>
+              <a:t> </a:t>
+            </a:r>
+            <a:r>
+              <a:rPr lang="it-IT" dirty="0" err="1"/>
+              <a:t>suffers</a:t>
+            </a:r>
+            <a:r>
+              <a:rPr lang="it-IT" dirty="0"/>
+              <a:t> of </a:t>
+            </a:r>
+            <a:r>
+              <a:rPr lang="it-IT" dirty="0" err="1"/>
+              <a:t>lack</a:t>
+            </a:r>
+            <a:r>
+              <a:rPr lang="it-IT" dirty="0"/>
+              <a:t> of informative power.</a:t>
+            </a:r>
+            <a:br>
+              <a:rPr lang="it-IT" dirty="0"/>
+            </a:br>
+            <a:r>
+              <a:rPr lang="it-IT" dirty="0"/>
+              <a:t>In </a:t>
+            </a:r>
+            <a:r>
+              <a:rPr lang="it-IT" dirty="0" err="1"/>
+              <a:t>fact</a:t>
+            </a:r>
+            <a:r>
+              <a:rPr lang="it-IT" dirty="0"/>
+              <a:t>, a </a:t>
+            </a:r>
+            <a:r>
+              <a:rPr lang="it-IT" dirty="0" err="1"/>
+              <a:t>simple</a:t>
+            </a:r>
+            <a:r>
+              <a:rPr lang="it-IT" dirty="0"/>
+              <a:t> </a:t>
+            </a:r>
+            <a:r>
+              <a:rPr lang="it-IT" dirty="0" err="1"/>
+              <a:t>sensitivity</a:t>
+            </a:r>
+            <a:r>
+              <a:rPr lang="it-IT" dirty="0"/>
+              <a:t> </a:t>
+            </a:r>
+            <a:r>
+              <a:rPr lang="it-IT" dirty="0" err="1"/>
+              <a:t>analysis</a:t>
+            </a:r>
+            <a:r>
+              <a:rPr lang="it-IT" dirty="0"/>
+              <a:t> </a:t>
+            </a:r>
+            <a:r>
+              <a:rPr lang="it-IT" dirty="0" err="1"/>
+              <a:t>about</a:t>
+            </a:r>
+            <a:r>
+              <a:rPr lang="it-IT" dirty="0"/>
+              <a:t> future </a:t>
+            </a:r>
+            <a:r>
+              <a:rPr lang="it-IT" dirty="0" err="1"/>
+              <a:t>dividend</a:t>
+            </a:r>
+            <a:r>
+              <a:rPr lang="it-IT" dirty="0"/>
+              <a:t> </a:t>
+            </a:r>
+            <a:r>
+              <a:rPr lang="it-IT" dirty="0" err="1"/>
+              <a:t>growth</a:t>
+            </a:r>
+            <a:r>
+              <a:rPr lang="it-IT" dirty="0"/>
+              <a:t> </a:t>
+            </a:r>
+            <a:r>
+              <a:rPr lang="it-IT" dirty="0" err="1"/>
+              <a:t>rates</a:t>
+            </a:r>
+            <a:r>
+              <a:rPr lang="it-IT" dirty="0"/>
+              <a:t> or </a:t>
+            </a:r>
+            <a:r>
+              <a:rPr lang="it-IT" dirty="0" err="1"/>
+              <a:t>stable</a:t>
+            </a:r>
+            <a:r>
+              <a:rPr lang="it-IT" dirty="0"/>
+              <a:t> </a:t>
+            </a:r>
+            <a:r>
+              <a:rPr lang="it-IT" dirty="0" err="1"/>
+              <a:t>period</a:t>
+            </a:r>
+            <a:r>
+              <a:rPr lang="it-IT" dirty="0"/>
+              <a:t> cost of equity do </a:t>
+            </a:r>
+            <a:r>
+              <a:rPr lang="it-IT" dirty="0" err="1"/>
+              <a:t>reveals</a:t>
+            </a:r>
+            <a:r>
+              <a:rPr lang="it-IT" dirty="0"/>
+              <a:t> </a:t>
+            </a:r>
+            <a:r>
+              <a:rPr lang="it-IT" dirty="0" err="1"/>
+              <a:t>how</a:t>
+            </a:r>
+            <a:r>
+              <a:rPr lang="it-IT" dirty="0"/>
+              <a:t> the </a:t>
+            </a:r>
+            <a:r>
+              <a:rPr lang="it-IT" dirty="0" err="1"/>
+              <a:t>result</a:t>
+            </a:r>
+            <a:r>
+              <a:rPr lang="it-IT" dirty="0"/>
+              <a:t> </a:t>
+            </a:r>
+            <a:r>
+              <a:rPr lang="it-IT" dirty="0" err="1"/>
+              <a:t>is</a:t>
+            </a:r>
+            <a:r>
+              <a:rPr lang="it-IT" dirty="0"/>
+              <a:t> volatile. </a:t>
+            </a:r>
+            <a:r>
+              <a:rPr lang="it-IT" dirty="0" err="1"/>
+              <a:t>Furthermore</a:t>
+            </a:r>
+            <a:r>
+              <a:rPr lang="it-IT" dirty="0"/>
+              <a:t>, </a:t>
+            </a:r>
+            <a:r>
+              <a:rPr lang="it-IT" dirty="0" err="1"/>
+              <a:t>assumption</a:t>
+            </a:r>
+            <a:r>
+              <a:rPr lang="it-IT" dirty="0"/>
+              <a:t> </a:t>
+            </a:r>
+            <a:r>
+              <a:rPr lang="it-IT" dirty="0" err="1"/>
+              <a:t>about</a:t>
+            </a:r>
+            <a:r>
+              <a:rPr lang="it-IT" dirty="0"/>
+              <a:t> </a:t>
+            </a:r>
+            <a:r>
+              <a:rPr lang="it-IT" dirty="0" err="1"/>
+              <a:t>stable</a:t>
+            </a:r>
+            <a:r>
+              <a:rPr lang="it-IT" dirty="0"/>
+              <a:t> </a:t>
+            </a:r>
+            <a:r>
+              <a:rPr lang="it-IT" dirty="0" err="1"/>
+              <a:t>dividend</a:t>
+            </a:r>
+            <a:r>
+              <a:rPr lang="it-IT" dirty="0"/>
+              <a:t> </a:t>
+            </a:r>
+            <a:r>
+              <a:rPr lang="it-IT" dirty="0" err="1"/>
+              <a:t>growth</a:t>
+            </a:r>
+            <a:r>
+              <a:rPr lang="it-IT" dirty="0"/>
+              <a:t> rate </a:t>
+            </a:r>
+            <a:r>
+              <a:rPr lang="it-IT" dirty="0" err="1"/>
+              <a:t>equal</a:t>
+            </a:r>
+            <a:r>
+              <a:rPr lang="it-IT" dirty="0"/>
+              <a:t> to </a:t>
+            </a:r>
+            <a:r>
+              <a:rPr lang="it-IT" dirty="0" err="1"/>
+              <a:t>growth</a:t>
+            </a:r>
+            <a:r>
+              <a:rPr lang="it-IT" dirty="0"/>
+              <a:t> rate of economy </a:t>
+            </a:r>
+            <a:r>
+              <a:rPr lang="it-IT" dirty="0" err="1"/>
+              <a:t>is</a:t>
+            </a:r>
+            <a:r>
+              <a:rPr lang="it-IT" dirty="0"/>
+              <a:t> </a:t>
+            </a:r>
+            <a:r>
+              <a:rPr lang="it-IT" dirty="0" err="1"/>
+              <a:t>highly</a:t>
+            </a:r>
+            <a:r>
+              <a:rPr lang="it-IT" dirty="0"/>
+              <a:t> </a:t>
+            </a:r>
+            <a:r>
+              <a:rPr lang="it-IT" dirty="0" err="1"/>
+              <a:t>opinable</a:t>
+            </a:r>
+            <a:r>
+              <a:rPr lang="it-IT" dirty="0"/>
+              <a:t> </a:t>
+            </a:r>
+            <a:r>
+              <a:rPr lang="it-IT" dirty="0" err="1"/>
+              <a:t>such</a:t>
+            </a:r>
+            <a:r>
+              <a:rPr lang="it-IT" dirty="0"/>
+              <a:t> </a:t>
+            </a:r>
+            <a:r>
+              <a:rPr lang="it-IT" dirty="0" err="1"/>
+              <a:t>as</a:t>
+            </a:r>
+            <a:r>
+              <a:rPr lang="it-IT" dirty="0"/>
+              <a:t> 1% </a:t>
+            </a:r>
+            <a:r>
+              <a:rPr lang="it-IT" dirty="0" err="1"/>
+              <a:t>growth</a:t>
+            </a:r>
+            <a:r>
+              <a:rPr lang="it-IT" dirty="0"/>
+              <a:t> rate </a:t>
+            </a:r>
+            <a:r>
+              <a:rPr lang="it-IT" dirty="0" err="1"/>
+              <a:t>value</a:t>
+            </a:r>
+            <a:r>
+              <a:rPr lang="it-IT" dirty="0"/>
+              <a:t>. </a:t>
             </a:r>
           </a:p>
         </p:txBody>
       </p:sp>
       <p:pic>
         <p:nvPicPr>
-          <p:cNvPr id="4" name="Segnaposto contenuto 3">
-            <a:extLst>
-              <a:ext uri="{FF2B5EF4-FFF2-40B4-BE49-F238E27FC236}">
-                <a16:creationId xmlns:a16="http://schemas.microsoft.com/office/drawing/2014/main" id="{59B4F841-2B4F-48AF-8375-53481531F6DD}"/>
+          <p:cNvPr id="9" name="Immagine 8">
+            <a:extLst>
+              <a:ext uri="{FF2B5EF4-FFF2-40B4-BE49-F238E27FC236}">
+                <a16:creationId xmlns:a16="http://schemas.microsoft.com/office/drawing/2014/main" id="{4DDE6184-422D-4DA1-A709-D4515DD55DE4}"/>
               </a:ext>
             </a:extLst>
           </p:cNvPr>
           <p:cNvPicPr>
-            <a:picLocks noGrp="1" noChangeAspect="1"/>
+            <a:picLocks noChangeAspect="1"/>
           </p:cNvPicPr>
-          <p:nvPr>
-            <p:ph idx="1"/>
-          </p:nvPr>
+          <p:nvPr/>
         </p:nvPicPr>
         <p:blipFill>
           <a:blip r:embed="rId2"/>
@@ -4574,8 +5379,8 @@
         </p:blipFill>
         <p:spPr>
           <a:xfrm>
-            <a:off x="124287" y="877049"/>
-            <a:ext cx="12067713" cy="2551951"/>
+            <a:off x="367903" y="595313"/>
+            <a:ext cx="11456194" cy="2671385"/>
           </a:xfrm>
           <a:prstGeom prst="rect">
             <a:avLst/>
@@ -4584,10 +5389,10 @@
       </p:pic>
       <p:pic>
         <p:nvPicPr>
-          <p:cNvPr id="5" name="Immagine 4">
-            <a:extLst>
-              <a:ext uri="{FF2B5EF4-FFF2-40B4-BE49-F238E27FC236}">
-                <a16:creationId xmlns:a16="http://schemas.microsoft.com/office/drawing/2014/main" id="{0E8879E0-E2E8-429E-B219-EFC5CC954F6C}"/>
+          <p:cNvPr id="10" name="Immagine 9">
+            <a:extLst>
+              <a:ext uri="{FF2B5EF4-FFF2-40B4-BE49-F238E27FC236}">
+                <a16:creationId xmlns:a16="http://schemas.microsoft.com/office/drawing/2014/main" id="{12138BC0-8AD7-426A-B2E0-FF654D317C64}"/>
               </a:ext>
             </a:extLst>
           </p:cNvPr>
@@ -4604,8 +5409,8 @@
         </p:blipFill>
         <p:spPr>
           <a:xfrm>
-            <a:off x="364791" y="3444036"/>
-            <a:ext cx="2690353" cy="1176329"/>
+            <a:off x="1249692" y="3365517"/>
+            <a:ext cx="2440047" cy="930514"/>
           </a:xfrm>
           <a:prstGeom prst="rect">
             <a:avLst/>
@@ -4614,10 +5419,10 @@
       </p:pic>
       <p:pic>
         <p:nvPicPr>
-          <p:cNvPr id="6" name="Immagine 5">
-            <a:extLst>
-              <a:ext uri="{FF2B5EF4-FFF2-40B4-BE49-F238E27FC236}">
-                <a16:creationId xmlns:a16="http://schemas.microsoft.com/office/drawing/2014/main" id="{40A9B347-350A-4891-9A44-B5DC1D454E6A}"/>
+          <p:cNvPr id="11" name="Immagine 10">
+            <a:extLst>
+              <a:ext uri="{FF2B5EF4-FFF2-40B4-BE49-F238E27FC236}">
+                <a16:creationId xmlns:a16="http://schemas.microsoft.com/office/drawing/2014/main" id="{CC1CB768-EDD0-4F32-A466-27A3696B0211}"/>
               </a:ext>
             </a:extLst>
           </p:cNvPr>
@@ -4634,474 +5439,14 @@
         </p:blipFill>
         <p:spPr>
           <a:xfrm>
-            <a:off x="4143954" y="3429000"/>
-            <a:ext cx="3628445" cy="1005006"/>
+            <a:off x="5169880" y="3365517"/>
+            <a:ext cx="2618033" cy="933869"/>
           </a:xfrm>
           <a:prstGeom prst="rect">
             <a:avLst/>
           </a:prstGeom>
         </p:spPr>
       </p:pic>
-      <p:sp>
-        <p:nvSpPr>
-          <p:cNvPr id="7" name="CasellaDiTesto 6">
-            <a:extLst>
-              <a:ext uri="{FF2B5EF4-FFF2-40B4-BE49-F238E27FC236}">
-                <a16:creationId xmlns:a16="http://schemas.microsoft.com/office/drawing/2014/main" id="{78A99BF4-7B22-4D88-BF97-15D0CD350DBF}"/>
-              </a:ext>
-            </a:extLst>
-          </p:cNvPr>
-          <p:cNvSpPr txBox="1"/>
-          <p:nvPr/>
-        </p:nvSpPr>
-        <p:spPr>
-          <a:xfrm>
-            <a:off x="364791" y="4721126"/>
-            <a:ext cx="11586703" cy="2031325"/>
-          </a:xfrm>
-          <a:prstGeom prst="rect">
-            <a:avLst/>
-          </a:prstGeom>
-          <a:noFill/>
-        </p:spPr>
-        <p:txBody>
-          <a:bodyPr wrap="square" rtlCol="0">
-            <a:spAutoFit/>
-          </a:bodyPr>
-          <a:lstStyle/>
-          <a:p>
-            <a:r>
-              <a:rPr lang="it-IT" b="1" dirty="0" err="1"/>
-              <a:t>Comment</a:t>
-            </a:r>
-            <a:endParaRPr lang="it-IT" b="1" dirty="0"/>
-          </a:p>
-          <a:p>
-            <a:r>
-              <a:rPr lang="it-IT" dirty="0"/>
-              <a:t>At </a:t>
-            </a:r>
-            <a:r>
-              <a:rPr lang="it-IT" dirty="0" err="1"/>
-              <a:t>current</a:t>
-            </a:r>
-            <a:r>
-              <a:rPr lang="it-IT" dirty="0"/>
-              <a:t> time, after A2A future targets report, price </a:t>
-            </a:r>
-            <a:r>
-              <a:rPr lang="it-IT" dirty="0" err="1"/>
-              <a:t>moves</a:t>
-            </a:r>
-            <a:r>
-              <a:rPr lang="it-IT" dirty="0"/>
-              <a:t> </a:t>
-            </a:r>
-            <a:r>
-              <a:rPr lang="it-IT" dirty="0" err="1"/>
-              <a:t>around</a:t>
-            </a:r>
-            <a:r>
-              <a:rPr lang="it-IT" dirty="0"/>
-              <a:t> (1,30 – 1,40) so </a:t>
-            </a:r>
-            <a:r>
-              <a:rPr lang="it-IT" dirty="0" err="1"/>
-              <a:t>it</a:t>
-            </a:r>
-            <a:r>
-              <a:rPr lang="it-IT" dirty="0"/>
-              <a:t> </a:t>
-            </a:r>
-            <a:r>
-              <a:rPr lang="it-IT" dirty="0" err="1"/>
-              <a:t>may</a:t>
-            </a:r>
-            <a:r>
-              <a:rPr lang="it-IT" dirty="0"/>
-              <a:t> </a:t>
-            </a:r>
-            <a:r>
-              <a:rPr lang="it-IT" dirty="0" err="1"/>
-              <a:t>seem</a:t>
-            </a:r>
-            <a:r>
-              <a:rPr lang="it-IT" dirty="0"/>
-              <a:t> a </a:t>
-            </a:r>
-            <a:r>
-              <a:rPr lang="it-IT" dirty="0" err="1"/>
-              <a:t>proper</a:t>
-            </a:r>
-            <a:r>
-              <a:rPr lang="it-IT" dirty="0"/>
-              <a:t> model. </a:t>
-            </a:r>
-          </a:p>
-          <a:p>
-            <a:r>
-              <a:rPr lang="it-IT" dirty="0" err="1"/>
-              <a:t>Anyway</a:t>
-            </a:r>
-            <a:r>
-              <a:rPr lang="it-IT" dirty="0"/>
-              <a:t>, </a:t>
-            </a:r>
-            <a:r>
-              <a:rPr lang="it-IT" dirty="0" err="1"/>
-              <a:t>as</a:t>
-            </a:r>
-            <a:r>
-              <a:rPr lang="it-IT" dirty="0"/>
-              <a:t> </a:t>
-            </a:r>
-            <a:r>
-              <a:rPr lang="it-IT" dirty="0" err="1"/>
-              <a:t>previously</a:t>
-            </a:r>
-            <a:r>
-              <a:rPr lang="it-IT" dirty="0"/>
-              <a:t> </a:t>
-            </a:r>
-            <a:r>
-              <a:rPr lang="it-IT" dirty="0" err="1"/>
-              <a:t>said</a:t>
-            </a:r>
-            <a:r>
-              <a:rPr lang="it-IT" dirty="0"/>
-              <a:t>, </a:t>
-            </a:r>
-            <a:r>
-              <a:rPr lang="it-IT" dirty="0" err="1"/>
-              <a:t>assumptions</a:t>
-            </a:r>
-            <a:r>
-              <a:rPr lang="it-IT" dirty="0"/>
-              <a:t> </a:t>
-            </a:r>
-            <a:r>
-              <a:rPr lang="it-IT" dirty="0" err="1"/>
-              <a:t>were</a:t>
-            </a:r>
-            <a:r>
-              <a:rPr lang="it-IT" dirty="0"/>
-              <a:t> </a:t>
-            </a:r>
-            <a:r>
-              <a:rPr lang="it-IT" dirty="0" err="1"/>
-              <a:t>strict</a:t>
-            </a:r>
-            <a:r>
-              <a:rPr lang="it-IT" dirty="0"/>
-              <a:t>: </a:t>
-            </a:r>
-            <a:r>
-              <a:rPr lang="it-IT" dirty="0" err="1"/>
-              <a:t>it’s</a:t>
-            </a:r>
-            <a:r>
-              <a:rPr lang="it-IT" dirty="0"/>
-              <a:t> clear </a:t>
-            </a:r>
-            <a:r>
-              <a:rPr lang="it-IT" dirty="0" err="1"/>
-              <a:t>that</a:t>
-            </a:r>
-            <a:r>
-              <a:rPr lang="it-IT" dirty="0"/>
-              <a:t> </a:t>
-            </a:r>
-            <a:r>
-              <a:rPr lang="it-IT" dirty="0" err="1"/>
-              <a:t>during</a:t>
-            </a:r>
-            <a:r>
-              <a:rPr lang="it-IT" dirty="0"/>
-              <a:t> </a:t>
-            </a:r>
-            <a:r>
-              <a:rPr lang="it-IT" dirty="0" err="1"/>
-              <a:t>my</a:t>
-            </a:r>
-            <a:r>
-              <a:rPr lang="it-IT" dirty="0"/>
-              <a:t> </a:t>
-            </a:r>
-            <a:r>
-              <a:rPr lang="it-IT" dirty="0" err="1"/>
-              <a:t>evaluation</a:t>
-            </a:r>
-            <a:r>
-              <a:rPr lang="it-IT" dirty="0"/>
-              <a:t> I </a:t>
-            </a:r>
-            <a:r>
-              <a:rPr lang="it-IT" dirty="0" err="1"/>
-              <a:t>was</a:t>
-            </a:r>
-            <a:r>
-              <a:rPr lang="it-IT" dirty="0"/>
-              <a:t> </a:t>
-            </a:r>
-            <a:r>
-              <a:rPr lang="it-IT" dirty="0" err="1"/>
-              <a:t>biased</a:t>
-            </a:r>
-            <a:r>
-              <a:rPr lang="it-IT" dirty="0"/>
-              <a:t> by </a:t>
-            </a:r>
-            <a:r>
-              <a:rPr lang="it-IT" dirty="0" err="1"/>
-              <a:t>listed</a:t>
-            </a:r>
-            <a:r>
-              <a:rPr lang="it-IT" dirty="0"/>
-              <a:t> price dynamics. </a:t>
-            </a:r>
-          </a:p>
-          <a:p>
-            <a:r>
-              <a:rPr lang="it-IT" dirty="0" err="1"/>
-              <a:t>Furthermore</a:t>
-            </a:r>
-            <a:r>
-              <a:rPr lang="it-IT" dirty="0"/>
-              <a:t>, a </a:t>
-            </a:r>
-            <a:r>
-              <a:rPr lang="it-IT" dirty="0" err="1"/>
-              <a:t>simple</a:t>
-            </a:r>
-            <a:r>
-              <a:rPr lang="it-IT" dirty="0"/>
-              <a:t> </a:t>
-            </a:r>
-            <a:r>
-              <a:rPr lang="it-IT" dirty="0" err="1"/>
-              <a:t>sensitivity</a:t>
-            </a:r>
-            <a:r>
-              <a:rPr lang="it-IT" dirty="0"/>
-              <a:t> </a:t>
-            </a:r>
-            <a:r>
-              <a:rPr lang="it-IT" dirty="0" err="1"/>
-              <a:t>analysis</a:t>
-            </a:r>
-            <a:r>
-              <a:rPr lang="it-IT" dirty="0"/>
-              <a:t> </a:t>
-            </a:r>
-            <a:r>
-              <a:rPr lang="it-IT" dirty="0" err="1"/>
-              <a:t>reveals</a:t>
-            </a:r>
-            <a:r>
-              <a:rPr lang="it-IT" dirty="0"/>
-              <a:t> </a:t>
-            </a:r>
-            <a:r>
-              <a:rPr lang="it-IT" dirty="0" err="1"/>
-              <a:t>how</a:t>
-            </a:r>
-            <a:r>
-              <a:rPr lang="it-IT" dirty="0"/>
-              <a:t> </a:t>
-            </a:r>
-            <a:r>
-              <a:rPr lang="it-IT" dirty="0" err="1"/>
-              <a:t>this</a:t>
-            </a:r>
-            <a:r>
-              <a:rPr lang="it-IT" dirty="0"/>
-              <a:t> model </a:t>
-            </a:r>
-            <a:r>
-              <a:rPr lang="it-IT" dirty="0" err="1"/>
-              <a:t>is</a:t>
-            </a:r>
-            <a:r>
-              <a:rPr lang="it-IT" dirty="0"/>
-              <a:t> «</a:t>
-            </a:r>
-            <a:r>
-              <a:rPr lang="it-IT" dirty="0" err="1"/>
-              <a:t>unstable</a:t>
-            </a:r>
-            <a:r>
-              <a:rPr lang="it-IT" dirty="0"/>
-              <a:t>» and </a:t>
-            </a:r>
-            <a:r>
-              <a:rPr lang="it-IT" dirty="0" err="1"/>
-              <a:t>suffers</a:t>
-            </a:r>
-            <a:r>
-              <a:rPr lang="it-IT" dirty="0"/>
-              <a:t> of </a:t>
-            </a:r>
-            <a:r>
-              <a:rPr lang="it-IT" dirty="0" err="1"/>
-              <a:t>lack</a:t>
-            </a:r>
-            <a:r>
-              <a:rPr lang="it-IT" dirty="0"/>
-              <a:t> of informative power.</a:t>
-            </a:r>
-          </a:p>
-          <a:p>
-            <a:r>
-              <a:rPr lang="it-IT" dirty="0"/>
-              <a:t>P.S. </a:t>
-            </a:r>
-            <a:r>
-              <a:rPr lang="it-IT" dirty="0" err="1"/>
-              <a:t>Even</a:t>
-            </a:r>
-            <a:r>
-              <a:rPr lang="it-IT" dirty="0"/>
-              <a:t> the model </a:t>
-            </a:r>
-            <a:r>
-              <a:rPr lang="it-IT" dirty="0" err="1"/>
-              <a:t>decided</a:t>
-            </a:r>
-            <a:r>
-              <a:rPr lang="it-IT" dirty="0"/>
-              <a:t> </a:t>
-            </a:r>
-            <a:r>
-              <a:rPr lang="it-IT" dirty="0" err="1"/>
-              <a:t>may</a:t>
-            </a:r>
-            <a:r>
-              <a:rPr lang="it-IT" dirty="0"/>
-              <a:t> </a:t>
-            </a:r>
-            <a:r>
-              <a:rPr lang="it-IT" dirty="0" err="1"/>
-              <a:t>not</a:t>
-            </a:r>
-            <a:r>
-              <a:rPr lang="it-IT" dirty="0"/>
-              <a:t> be the </a:t>
-            </a:r>
-            <a:r>
-              <a:rPr lang="it-IT" dirty="0" err="1"/>
-              <a:t>proper</a:t>
-            </a:r>
-            <a:r>
-              <a:rPr lang="it-IT" dirty="0"/>
-              <a:t> one. </a:t>
-            </a:r>
-            <a:r>
-              <a:rPr lang="it-IT" dirty="0" err="1"/>
-              <a:t>Argument</a:t>
-            </a:r>
-            <a:r>
-              <a:rPr lang="it-IT" dirty="0"/>
-              <a:t> I </a:t>
-            </a:r>
-            <a:r>
-              <a:rPr lang="it-IT" dirty="0" err="1"/>
-              <a:t>used</a:t>
-            </a:r>
-            <a:r>
-              <a:rPr lang="it-IT" dirty="0"/>
-              <a:t> </a:t>
-            </a:r>
-            <a:r>
-              <a:rPr lang="it-IT" dirty="0" err="1"/>
-              <a:t>is</a:t>
-            </a:r>
-            <a:r>
-              <a:rPr lang="it-IT" dirty="0"/>
-              <a:t> </a:t>
-            </a:r>
-            <a:r>
-              <a:rPr lang="it-IT" dirty="0" err="1"/>
-              <a:t>that</a:t>
-            </a:r>
-            <a:r>
-              <a:rPr lang="it-IT" dirty="0"/>
-              <a:t> A2A </a:t>
-            </a:r>
-            <a:r>
-              <a:rPr lang="it-IT" dirty="0" err="1"/>
-              <a:t>seems</a:t>
-            </a:r>
-            <a:r>
-              <a:rPr lang="it-IT" dirty="0"/>
-              <a:t> a strong </a:t>
-            </a:r>
-            <a:r>
-              <a:rPr lang="it-IT" dirty="0" err="1"/>
-              <a:t>firm</a:t>
-            </a:r>
-            <a:r>
-              <a:rPr lang="it-IT" dirty="0"/>
-              <a:t>, </a:t>
-            </a:r>
-            <a:r>
-              <a:rPr lang="it-IT" dirty="0" err="1"/>
-              <a:t>enough</a:t>
-            </a:r>
-            <a:r>
-              <a:rPr lang="it-IT" dirty="0"/>
-              <a:t> to compete in future </a:t>
-            </a:r>
-            <a:r>
-              <a:rPr lang="it-IT" dirty="0" err="1"/>
-              <a:t>years</a:t>
-            </a:r>
-            <a:r>
-              <a:rPr lang="it-IT" dirty="0"/>
-              <a:t>; </a:t>
-            </a:r>
-            <a:r>
-              <a:rPr lang="it-IT" dirty="0" err="1"/>
-              <a:t>this</a:t>
-            </a:r>
-            <a:r>
-              <a:rPr lang="it-IT" dirty="0"/>
-              <a:t> thanks </a:t>
-            </a:r>
-            <a:r>
-              <a:rPr lang="it-IT" dirty="0" err="1"/>
-              <a:t>also</a:t>
-            </a:r>
-            <a:r>
-              <a:rPr lang="it-IT" dirty="0"/>
-              <a:t> to </a:t>
-            </a:r>
-            <a:r>
-              <a:rPr lang="it-IT" dirty="0" err="1"/>
-              <a:t>its</a:t>
-            </a:r>
-            <a:r>
-              <a:rPr lang="it-IT" dirty="0"/>
-              <a:t> </a:t>
-            </a:r>
-            <a:r>
-              <a:rPr lang="it-IT" dirty="0" err="1"/>
-              <a:t>great</a:t>
-            </a:r>
-            <a:r>
-              <a:rPr lang="it-IT" dirty="0"/>
-              <a:t> ESG performances and </a:t>
-            </a:r>
-            <a:r>
-              <a:rPr lang="it-IT" dirty="0" err="1"/>
-              <a:t>sustainable</a:t>
-            </a:r>
-            <a:r>
-              <a:rPr lang="it-IT" dirty="0"/>
-              <a:t> energy production targets. </a:t>
-            </a:r>
-          </a:p>
-        </p:txBody>
-      </p:sp>
     </p:spTree>
     <p:extLst>
       <p:ext uri="{BB962C8B-B14F-4D97-AF65-F5344CB8AC3E}">
@@ -5170,44 +5515,17 @@
               <a:rPr lang="it-IT" sz="2800" b="1" dirty="0">
                 <a:latin typeface="Calibri "/>
               </a:rPr>
-              <a:t> on </a:t>
+              <a:t> </a:t>
             </a:r>
             <a:r>
               <a:rPr lang="it-IT" sz="2800" b="1" dirty="0" err="1">
                 <a:latin typeface="Calibri "/>
               </a:rPr>
-              <a:t>dividend</a:t>
-            </a:r>
-            <a:r>
-              <a:rPr lang="it-IT" sz="2800" b="1" dirty="0">
-                <a:latin typeface="Calibri "/>
-              </a:rPr>
-              <a:t> </a:t>
-            </a:r>
-            <a:r>
-              <a:rPr lang="it-IT" sz="2800" b="1" dirty="0" err="1">
-                <a:latin typeface="Calibri "/>
-              </a:rPr>
-              <a:t>growth</a:t>
-            </a:r>
-            <a:r>
-              <a:rPr lang="it-IT" sz="2800" b="1" dirty="0">
-                <a:latin typeface="Calibri "/>
-              </a:rPr>
-              <a:t> </a:t>
-            </a:r>
-            <a:r>
-              <a:rPr lang="it-IT" sz="2800" b="1" dirty="0" err="1">
-                <a:latin typeface="Calibri "/>
-              </a:rPr>
-              <a:t>rates</a:t>
-            </a:r>
-            <a:r>
-              <a:rPr lang="it-IT" sz="2800" b="1" dirty="0">
-                <a:latin typeface="Calibri "/>
-              </a:rPr>
-              <a:t> </a:t>
-            </a:r>
+              <a:t>analysis</a:t>
+            </a:r>
+            <a:endParaRPr lang="it-IT" sz="2800" b="1" dirty="0">
+              <a:latin typeface="Calibri "/>
+            </a:endParaRPr>
           </a:p>
         </p:txBody>
       </p:sp>
@@ -5253,11 +5571,119 @@
             </a:r>
             <a:r>
               <a:rPr lang="it-IT" sz="2000" dirty="0"/>
-              <a:t> A2A </a:t>
+              <a:t> </a:t>
             </a:r>
             <a:r>
               <a:rPr lang="it-IT" sz="2000" dirty="0" err="1"/>
-              <a:t>decided</a:t>
+              <a:t>instead</a:t>
+            </a:r>
+            <a:r>
+              <a:rPr lang="it-IT" sz="2000" dirty="0"/>
+              <a:t> of market beta </a:t>
+            </a:r>
+            <a:r>
+              <a:rPr lang="it-IT" sz="2000" dirty="0" err="1"/>
+              <a:t>we</a:t>
+            </a:r>
+            <a:r>
+              <a:rPr lang="it-IT" sz="2000" dirty="0"/>
+              <a:t> </a:t>
+            </a:r>
+            <a:r>
+              <a:rPr lang="it-IT" sz="2000" dirty="0" err="1"/>
+              <a:t>maintain</a:t>
+            </a:r>
+            <a:r>
+              <a:rPr lang="it-IT" sz="2000" dirty="0"/>
+              <a:t> </a:t>
+            </a:r>
+            <a:r>
+              <a:rPr lang="it-IT" sz="2000" dirty="0" err="1"/>
+              <a:t>current</a:t>
+            </a:r>
+            <a:r>
+              <a:rPr lang="it-IT" sz="2000" dirty="0"/>
+              <a:t> one </a:t>
+            </a:r>
+            <a:r>
+              <a:rPr lang="it-IT" sz="2000" dirty="0" err="1"/>
+              <a:t>stable</a:t>
+            </a:r>
+            <a:r>
+              <a:rPr lang="it-IT" sz="2000" dirty="0"/>
+              <a:t> over time? </a:t>
+            </a:r>
+          </a:p>
+          <a:p>
+            <a:endParaRPr lang="it-IT" sz="2000" dirty="0"/>
+          </a:p>
+          <a:p>
+            <a:endParaRPr lang="it-IT" sz="2000" dirty="0"/>
+          </a:p>
+          <a:p>
+            <a:endParaRPr lang="it-IT" sz="2000" dirty="0"/>
+          </a:p>
+          <a:p>
+            <a:endParaRPr lang="it-IT" sz="2000" dirty="0"/>
+          </a:p>
+          <a:p>
+            <a:endParaRPr lang="it-IT" sz="2000" dirty="0"/>
+          </a:p>
+          <a:p>
+            <a:endParaRPr lang="it-IT" sz="2000" dirty="0"/>
+          </a:p>
+          <a:p>
+            <a:r>
+              <a:rPr lang="it-IT" sz="2000" dirty="0" err="1"/>
+              <a:t>What</a:t>
+            </a:r>
+            <a:r>
+              <a:rPr lang="it-IT" sz="2000" dirty="0"/>
+              <a:t> </a:t>
+            </a:r>
+            <a:r>
+              <a:rPr lang="it-IT" sz="2000" dirty="0" err="1"/>
+              <a:t>about</a:t>
+            </a:r>
+            <a:r>
+              <a:rPr lang="it-IT" sz="2000" dirty="0"/>
+              <a:t> </a:t>
+            </a:r>
+            <a:r>
+              <a:rPr lang="it-IT" sz="2000" dirty="0" err="1"/>
+              <a:t>stable</a:t>
+            </a:r>
+            <a:r>
+              <a:rPr lang="it-IT" sz="2000" dirty="0"/>
+              <a:t> </a:t>
+            </a:r>
+            <a:r>
+              <a:rPr lang="it-IT" sz="2000" dirty="0" err="1"/>
+              <a:t>dividend</a:t>
+            </a:r>
+            <a:r>
+              <a:rPr lang="it-IT" sz="2000" dirty="0"/>
+              <a:t> </a:t>
+            </a:r>
+            <a:r>
+              <a:rPr lang="it-IT" sz="2000" dirty="0" err="1"/>
+              <a:t>growth</a:t>
+            </a:r>
+            <a:r>
+              <a:rPr lang="it-IT" sz="2000" dirty="0"/>
+              <a:t> </a:t>
+            </a:r>
+            <a:r>
+              <a:rPr lang="it-IT" sz="2000" dirty="0" err="1"/>
+              <a:t>will</a:t>
+            </a:r>
+            <a:r>
+              <a:rPr lang="it-IT" sz="2000" dirty="0"/>
+              <a:t> </a:t>
+            </a:r>
+            <a:r>
+              <a:rPr lang="it-IT" sz="2000" dirty="0" err="1"/>
+              <a:t>tend</a:t>
             </a:r>
             <a:r>
               <a:rPr lang="it-IT" sz="2000" dirty="0"/>
@@ -5265,63 +5691,15 @@
             </a:r>
             <a:r>
               <a:rPr lang="it-IT" sz="2000" dirty="0" err="1"/>
-              <a:t>increase</a:t>
+              <a:t>current</a:t>
             </a:r>
             <a:r>
               <a:rPr lang="it-IT" sz="2000" dirty="0"/>
-              <a:t> </a:t>
+              <a:t> risk-free rate </a:t>
             </a:r>
             <a:r>
               <a:rPr lang="it-IT" sz="2000" dirty="0" err="1"/>
-              <a:t>its</a:t>
-            </a:r>
-            <a:r>
-              <a:rPr lang="it-IT" sz="2000" dirty="0"/>
-              <a:t> future </a:t>
-            </a:r>
-            <a:r>
-              <a:rPr lang="it-IT" sz="2000" dirty="0" err="1"/>
-              <a:t>dividends</a:t>
-            </a:r>
-            <a:r>
-              <a:rPr lang="it-IT" sz="2000" dirty="0"/>
-              <a:t> by a </a:t>
-            </a:r>
-            <a:r>
-              <a:rPr lang="it-IT" sz="2000" dirty="0" err="1"/>
-              <a:t>level</a:t>
-            </a:r>
-            <a:r>
-              <a:rPr lang="it-IT" sz="2000" dirty="0"/>
-              <a:t> </a:t>
-            </a:r>
-            <a:r>
-              <a:rPr lang="it-IT" sz="2000" dirty="0" err="1"/>
-              <a:t>which</a:t>
-            </a:r>
-            <a:r>
-              <a:rPr lang="it-IT" sz="2000" dirty="0"/>
-              <a:t> </a:t>
-            </a:r>
-            <a:r>
-              <a:rPr lang="it-IT" sz="2000" dirty="0" err="1"/>
-              <a:t>is</a:t>
-            </a:r>
-            <a:r>
-              <a:rPr lang="it-IT" sz="2000" dirty="0"/>
-              <a:t> </a:t>
-            </a:r>
-            <a:r>
-              <a:rPr lang="it-IT" sz="2000" dirty="0" err="1"/>
-              <a:t>higher</a:t>
-            </a:r>
-            <a:r>
-              <a:rPr lang="it-IT" sz="2000" dirty="0"/>
-              <a:t> of minimum </a:t>
-            </a:r>
-            <a:r>
-              <a:rPr lang="it-IT" sz="2000" dirty="0" err="1"/>
-              <a:t>guaranteed</a:t>
+              <a:t>result</a:t>
             </a:r>
             <a:r>
               <a:rPr lang="it-IT" sz="2000" dirty="0"/>
@@ -5335,24 +5713,9 @@
             <a:endParaRPr lang="it-IT" sz="2000" dirty="0"/>
           </a:p>
           <a:p>
-            <a:endParaRPr lang="it-IT" sz="2000" dirty="0"/>
-          </a:p>
-          <a:p>
-            <a:endParaRPr lang="it-IT" sz="2000" dirty="0"/>
-          </a:p>
-          <a:p>
-            <a:endParaRPr lang="it-IT" sz="2000" dirty="0"/>
-          </a:p>
-          <a:p>
-            <a:endParaRPr lang="it-IT" sz="2000" dirty="0"/>
-          </a:p>
-          <a:p>
-            <a:endParaRPr lang="it-IT" sz="2000" dirty="0"/>
-          </a:p>
-          <a:p>
-            <a:endParaRPr lang="it-IT" sz="2000" dirty="0"/>
-          </a:p>
-          <a:p>
+            <a:pPr marL="0" indent="0">
+              <a:buNone/>
+            </a:pPr>
             <a:endParaRPr lang="it-IT" sz="2000" dirty="0"/>
           </a:p>
           <a:p>
@@ -5370,67 +5733,64 @@
             </a:r>
             <a:r>
               <a:rPr lang="it-IT" sz="2000" dirty="0"/>
-              <a:t> I </a:t>
+              <a:t> A2A </a:t>
             </a:r>
             <a:r>
               <a:rPr lang="it-IT" sz="2000" dirty="0" err="1"/>
-              <a:t>decrease</a:t>
+              <a:t>dividend</a:t>
             </a:r>
             <a:r>
               <a:rPr lang="it-IT" sz="2000" dirty="0"/>
-              <a:t> </a:t>
+              <a:t> policy </a:t>
             </a:r>
             <a:r>
               <a:rPr lang="it-IT" sz="2000" dirty="0" err="1"/>
-              <a:t>stable</a:t>
+              <a:t>will</a:t>
             </a:r>
             <a:r>
               <a:rPr lang="it-IT" sz="2000" dirty="0"/>
-              <a:t> </a:t>
+              <a:t> be </a:t>
             </a:r>
             <a:r>
               <a:rPr lang="it-IT" sz="2000" dirty="0" err="1"/>
-              <a:t>growth</a:t>
+              <a:t>quite</a:t>
             </a:r>
             <a:r>
               <a:rPr lang="it-IT" sz="2000" dirty="0"/>
-              <a:t> rate? For </a:t>
+              <a:t> </a:t>
             </a:r>
             <a:r>
               <a:rPr lang="it-IT" sz="2000" dirty="0" err="1"/>
-              <a:t>example</a:t>
+              <a:t>generous</a:t>
             </a:r>
             <a:r>
               <a:rPr lang="it-IT" sz="2000" dirty="0"/>
-              <a:t> to a </a:t>
+              <a:t> in future </a:t>
             </a:r>
             <a:r>
               <a:rPr lang="it-IT" sz="2000" dirty="0" err="1"/>
-              <a:t>value</a:t>
+              <a:t>years</a:t>
             </a:r>
             <a:r>
               <a:rPr lang="it-IT" sz="2000" dirty="0"/>
-              <a:t> </a:t>
+              <a:t> (e.g. 8% </a:t>
             </a:r>
             <a:r>
               <a:rPr lang="it-IT" sz="2000" dirty="0" err="1"/>
-              <a:t>similar</a:t>
+              <a:t>increase</a:t>
             </a:r>
             <a:r>
               <a:rPr lang="it-IT" sz="2000" dirty="0"/>
-              <a:t> to the risk free I </a:t>
+              <a:t> per </a:t>
             </a:r>
             <a:r>
               <a:rPr lang="it-IT" sz="2000" dirty="0" err="1"/>
-              <a:t>computed</a:t>
+              <a:t>year</a:t>
             </a:r>
             <a:r>
               <a:rPr lang="it-IT" sz="2000" dirty="0"/>
-              <a:t>. </a:t>
-            </a:r>
-          </a:p>
-          <a:p>
-            <a:endParaRPr lang="it-IT" sz="2000" dirty="0"/>
+              <a:t>)?</a:t>
+            </a:r>
           </a:p>
           <a:p>
             <a:pPr lvl="1"/>
@@ -5440,10 +5800,10 @@
       </p:sp>
       <p:pic>
         <p:nvPicPr>
-          <p:cNvPr id="4" name="Immagine 3">
-            <a:extLst>
-              <a:ext uri="{FF2B5EF4-FFF2-40B4-BE49-F238E27FC236}">
-                <a16:creationId xmlns:a16="http://schemas.microsoft.com/office/drawing/2014/main" id="{0408A3CC-1365-4F02-A73D-0856526ACEBD}"/>
+          <p:cNvPr id="9" name="Immagine 8">
+            <a:extLst>
+              <a:ext uri="{FF2B5EF4-FFF2-40B4-BE49-F238E27FC236}">
+                <a16:creationId xmlns:a16="http://schemas.microsoft.com/office/drawing/2014/main" id="{3ECBEE74-FD90-428F-8F67-2F534ED50F46}"/>
               </a:ext>
             </a:extLst>
           </p:cNvPr>
@@ -5460,8 +5820,8 @@
         </p:blipFill>
         <p:spPr>
           <a:xfrm>
-            <a:off x="838200" y="1507525"/>
-            <a:ext cx="11086199" cy="2046309"/>
+            <a:off x="1216137" y="2140453"/>
+            <a:ext cx="2744831" cy="1035988"/>
           </a:xfrm>
           <a:prstGeom prst="rect">
             <a:avLst/>
@@ -5470,10 +5830,10 @@
       </p:pic>
       <p:pic>
         <p:nvPicPr>
-          <p:cNvPr id="5" name="Immagine 4">
-            <a:extLst>
-              <a:ext uri="{FF2B5EF4-FFF2-40B4-BE49-F238E27FC236}">
-                <a16:creationId xmlns:a16="http://schemas.microsoft.com/office/drawing/2014/main" id="{745AF0D2-8F97-4A8D-85AA-FEA06B692672}"/>
+          <p:cNvPr id="10" name="Immagine 9">
+            <a:extLst>
+              <a:ext uri="{FF2B5EF4-FFF2-40B4-BE49-F238E27FC236}">
+                <a16:creationId xmlns:a16="http://schemas.microsoft.com/office/drawing/2014/main" id="{3576AE89-9AA6-40B8-81BF-40E0FE5EE5E1}"/>
               </a:ext>
             </a:extLst>
           </p:cNvPr>
@@ -5490,8 +5850,8 @@
         </p:blipFill>
         <p:spPr>
           <a:xfrm>
-            <a:off x="953203" y="3663667"/>
-            <a:ext cx="3740305" cy="1035988"/>
+            <a:off x="1216137" y="1111315"/>
+            <a:ext cx="2442650" cy="931507"/>
           </a:xfrm>
           <a:prstGeom prst="rect">
             <a:avLst/>
@@ -5500,10 +5860,10 @@
       </p:pic>
       <p:sp>
         <p:nvSpPr>
-          <p:cNvPr id="6" name="CasellaDiTesto 5">
-            <a:extLst>
-              <a:ext uri="{FF2B5EF4-FFF2-40B4-BE49-F238E27FC236}">
-                <a16:creationId xmlns:a16="http://schemas.microsoft.com/office/drawing/2014/main" id="{DD9EE029-85C3-4339-8596-70989D6B0E94}"/>
+          <p:cNvPr id="12" name="CasellaDiTesto 11">
+            <a:extLst>
+              <a:ext uri="{FF2B5EF4-FFF2-40B4-BE49-F238E27FC236}">
+                <a16:creationId xmlns:a16="http://schemas.microsoft.com/office/drawing/2014/main" id="{0461A714-1F4A-4C20-A32B-2983C8C8864A}"/>
               </a:ext>
             </a:extLst>
           </p:cNvPr>
@@ -5512,8 +5872,8 @@
         </p:nvSpPr>
         <p:spPr>
           <a:xfrm>
-            <a:off x="4693508" y="3776325"/>
-            <a:ext cx="6660292" cy="923330"/>
+            <a:off x="4478328" y="1219200"/>
+            <a:ext cx="6660292" cy="1323439"/>
           </a:xfrm>
           <a:prstGeom prst="rect">
             <a:avLst/>
@@ -5527,138 +5887,268 @@
           <a:lstStyle/>
           <a:p>
             <a:r>
-              <a:rPr lang="it-IT" dirty="0"/>
+              <a:rPr lang="it-IT" sz="1600" dirty="0"/>
               <a:t>In </a:t>
             </a:r>
             <a:r>
-              <a:rPr lang="it-IT" dirty="0" err="1"/>
+              <a:rPr lang="it-IT" sz="1600" dirty="0" err="1"/>
               <a:t>this</a:t>
             </a:r>
             <a:r>
-              <a:rPr lang="it-IT" dirty="0"/>
-              <a:t> case, after </a:t>
-            </a:r>
-            <a:r>
-              <a:rPr lang="it-IT" dirty="0" err="1"/>
-              <a:t>growth</a:t>
-            </a:r>
-            <a:r>
-              <a:rPr lang="it-IT" dirty="0"/>
-              <a:t> </a:t>
-            </a:r>
-            <a:r>
-              <a:rPr lang="it-IT" dirty="0" err="1"/>
-              <a:t>guaranteed</a:t>
-            </a:r>
-            <a:r>
-              <a:rPr lang="it-IT" dirty="0"/>
-              <a:t> for 2020 I </a:t>
-            </a:r>
-            <a:r>
-              <a:rPr lang="it-IT" dirty="0" err="1"/>
-              <a:t>used</a:t>
-            </a:r>
-            <a:r>
-              <a:rPr lang="it-IT" dirty="0"/>
-              <a:t> the </a:t>
-            </a:r>
-            <a:r>
-              <a:rPr lang="it-IT" dirty="0" err="1"/>
-              <a:t>growth</a:t>
-            </a:r>
-            <a:r>
-              <a:rPr lang="it-IT" dirty="0"/>
-              <a:t> for 2019 </a:t>
-            </a:r>
-            <a:r>
-              <a:rPr lang="it-IT" dirty="0" err="1"/>
-              <a:t>decreasing</a:t>
-            </a:r>
-            <a:r>
-              <a:rPr lang="it-IT" dirty="0"/>
-              <a:t> </a:t>
-            </a:r>
-            <a:r>
-              <a:rPr lang="it-IT" dirty="0" err="1"/>
+              <a:rPr lang="it-IT" sz="1600" dirty="0"/>
+              <a:t> case </a:t>
+            </a:r>
+            <a:r>
+              <a:rPr lang="it-IT" sz="1600" dirty="0" err="1"/>
+              <a:t>expected</a:t>
+            </a:r>
+            <a:r>
+              <a:rPr lang="it-IT" sz="1600" dirty="0"/>
+              <a:t> price per share </a:t>
+            </a:r>
+            <a:r>
+              <a:rPr lang="it-IT" sz="1600" dirty="0" err="1"/>
+              <a:t>is</a:t>
+            </a:r>
+            <a:r>
+              <a:rPr lang="it-IT" sz="1600" dirty="0"/>
+              <a:t> </a:t>
+            </a:r>
+            <a:r>
+              <a:rPr lang="it-IT" sz="1600" dirty="0" err="1"/>
+              <a:t>pumped</a:t>
+            </a:r>
+            <a:r>
+              <a:rPr lang="it-IT" sz="1600" dirty="0"/>
+              <a:t> up by </a:t>
+            </a:r>
+            <a:r>
+              <a:rPr lang="it-IT" sz="1600" dirty="0" err="1"/>
+              <a:t>lower</a:t>
+            </a:r>
+            <a:r>
+              <a:rPr lang="it-IT" sz="1600" dirty="0"/>
+              <a:t> cost </a:t>
+            </a:r>
+            <a:r>
+              <a:rPr lang="it-IT" sz="1600" dirty="0" err="1"/>
+              <a:t>required</a:t>
+            </a:r>
+            <a:r>
+              <a:rPr lang="it-IT" sz="1600" dirty="0"/>
+              <a:t> by future </a:t>
+            </a:r>
+            <a:r>
+              <a:rPr lang="it-IT" sz="1600" dirty="0" err="1"/>
+              <a:t>investors</a:t>
+            </a:r>
+            <a:r>
+              <a:rPr lang="it-IT" sz="1600" dirty="0"/>
+              <a:t>. </a:t>
+            </a:r>
+          </a:p>
+          <a:p>
+            <a:r>
+              <a:rPr lang="it-IT" sz="1600" dirty="0" err="1"/>
+              <a:t>If</a:t>
+            </a:r>
+            <a:r>
+              <a:rPr lang="it-IT" sz="1600" dirty="0"/>
+              <a:t> </a:t>
+            </a:r>
+            <a:r>
+              <a:rPr lang="it-IT" sz="1600" dirty="0" err="1"/>
+              <a:t>we</a:t>
+            </a:r>
+            <a:r>
+              <a:rPr lang="it-IT" sz="1600" dirty="0"/>
+              <a:t> </a:t>
+            </a:r>
+            <a:r>
+              <a:rPr lang="it-IT" sz="1600" dirty="0" err="1"/>
+              <a:t>think</a:t>
+            </a:r>
+            <a:r>
+              <a:rPr lang="it-IT" sz="1600" dirty="0"/>
+              <a:t> A2A </a:t>
+            </a:r>
+            <a:r>
+              <a:rPr lang="it-IT" sz="1600" dirty="0" err="1"/>
+              <a:t>will</a:t>
+            </a:r>
+            <a:r>
+              <a:rPr lang="it-IT" sz="1600" dirty="0"/>
+              <a:t> </a:t>
+            </a:r>
+            <a:r>
+              <a:rPr lang="it-IT" sz="1600" dirty="0" err="1"/>
+              <a:t>maintain</a:t>
+            </a:r>
+            <a:r>
+              <a:rPr lang="it-IT" sz="1600" dirty="0"/>
+              <a:t> </a:t>
+            </a:r>
+            <a:r>
+              <a:rPr lang="it-IT" sz="1600" dirty="0" err="1"/>
+              <a:t>its</a:t>
+            </a:r>
+            <a:r>
+              <a:rPr lang="it-IT" sz="1600" dirty="0"/>
+              <a:t> </a:t>
+            </a:r>
+            <a:r>
+              <a:rPr lang="it-IT" sz="1600" dirty="0" err="1"/>
+              <a:t>levered</a:t>
+            </a:r>
+            <a:r>
+              <a:rPr lang="it-IT" sz="1600" dirty="0"/>
+              <a:t> beta </a:t>
+            </a:r>
+            <a:r>
+              <a:rPr lang="it-IT" sz="1600" dirty="0" err="1"/>
+              <a:t>below</a:t>
+            </a:r>
+            <a:r>
+              <a:rPr lang="it-IT" sz="1600" dirty="0"/>
+              <a:t> one (and </a:t>
+            </a:r>
+            <a:r>
+              <a:rPr lang="it-IT" sz="1600" dirty="0" err="1"/>
               <a:t>it</a:t>
             </a:r>
             <a:r>
-              <a:rPr lang="it-IT" dirty="0"/>
-              <a:t> </a:t>
-            </a:r>
-            <a:r>
-              <a:rPr lang="it-IT" dirty="0" err="1"/>
-              <a:t>each</a:t>
-            </a:r>
-            <a:r>
-              <a:rPr lang="it-IT" dirty="0"/>
-              <a:t> </a:t>
-            </a:r>
-            <a:r>
-              <a:rPr lang="it-IT" dirty="0" err="1"/>
-              <a:t>year</a:t>
-            </a:r>
-            <a:r>
-              <a:rPr lang="it-IT" dirty="0"/>
-              <a:t> to </a:t>
-            </a:r>
-            <a:r>
-              <a:rPr lang="it-IT" dirty="0" err="1"/>
-              <a:t>arrive</a:t>
-            </a:r>
-            <a:r>
-              <a:rPr lang="it-IT" dirty="0"/>
-              <a:t> to the minimum </a:t>
-            </a:r>
-            <a:r>
-              <a:rPr lang="it-IT" dirty="0" err="1"/>
-              <a:t>guaranteed</a:t>
-            </a:r>
-            <a:r>
-              <a:rPr lang="it-IT" dirty="0"/>
-              <a:t> of 5% for 2024. </a:t>
-            </a:r>
-            <a:r>
-              <a:rPr lang="it-IT" dirty="0" err="1"/>
-              <a:t>Other</a:t>
-            </a:r>
-            <a:r>
-              <a:rPr lang="it-IT" dirty="0"/>
-              <a:t> inputs </a:t>
-            </a:r>
-            <a:r>
-              <a:rPr lang="it-IT" dirty="0" err="1"/>
-              <a:t>were</a:t>
-            </a:r>
-            <a:r>
-              <a:rPr lang="it-IT" dirty="0"/>
-              <a:t> </a:t>
-            </a:r>
-            <a:r>
-              <a:rPr lang="it-IT" dirty="0" err="1"/>
-              <a:t>maintained</a:t>
-            </a:r>
-            <a:r>
-              <a:rPr lang="it-IT" dirty="0"/>
-              <a:t> </a:t>
-            </a:r>
-            <a:r>
-              <a:rPr lang="it-IT" dirty="0" err="1"/>
-              <a:t>stable</a:t>
-            </a:r>
-            <a:r>
-              <a:rPr lang="it-IT" dirty="0"/>
-              <a:t>. </a:t>
+              <a:rPr lang="it-IT" sz="1600" dirty="0"/>
+              <a:t> makes </a:t>
+            </a:r>
+            <a:r>
+              <a:rPr lang="it-IT" sz="1600" dirty="0" err="1"/>
+              <a:t>sense</a:t>
+            </a:r>
+            <a:r>
+              <a:rPr lang="it-IT" sz="1600" dirty="0"/>
+              <a:t>, </a:t>
+            </a:r>
+            <a:r>
+              <a:rPr lang="it-IT" sz="1600" dirty="0" err="1"/>
+              <a:t>it</a:t>
+            </a:r>
+            <a:r>
+              <a:rPr lang="it-IT" sz="1600" dirty="0"/>
+              <a:t> </a:t>
+            </a:r>
+            <a:r>
+              <a:rPr lang="it-IT" sz="1600" dirty="0" err="1"/>
+              <a:t>operates</a:t>
+            </a:r>
+            <a:r>
+              <a:rPr lang="it-IT" sz="1600" dirty="0"/>
+              <a:t> in utility </a:t>
+            </a:r>
+            <a:r>
+              <a:rPr lang="it-IT" sz="1600" dirty="0" err="1"/>
+              <a:t>sector</a:t>
+            </a:r>
+            <a:r>
+              <a:rPr lang="it-IT" sz="1600" dirty="0"/>
+              <a:t>) </a:t>
+            </a:r>
+            <a:r>
+              <a:rPr lang="it-IT" sz="1600" dirty="0" err="1"/>
+              <a:t>this</a:t>
+            </a:r>
+            <a:r>
+              <a:rPr lang="it-IT" sz="1600" dirty="0"/>
+              <a:t> </a:t>
+            </a:r>
+            <a:r>
+              <a:rPr lang="it-IT" sz="1600" dirty="0" err="1"/>
+              <a:t>result</a:t>
+            </a:r>
+            <a:r>
+              <a:rPr lang="it-IT" sz="1600" dirty="0"/>
+              <a:t> </a:t>
+            </a:r>
+            <a:r>
+              <a:rPr lang="it-IT" sz="1600" dirty="0" err="1"/>
+              <a:t>would</a:t>
+            </a:r>
+            <a:r>
+              <a:rPr lang="it-IT" sz="1600" dirty="0"/>
+              <a:t> </a:t>
+            </a:r>
+            <a:r>
+              <a:rPr lang="it-IT" sz="1600" dirty="0" err="1"/>
+              <a:t>say</a:t>
+            </a:r>
+            <a:r>
+              <a:rPr lang="it-IT" sz="1600" dirty="0"/>
+              <a:t> </a:t>
+            </a:r>
+            <a:r>
+              <a:rPr lang="it-IT" sz="1600" dirty="0" err="1"/>
+              <a:t>us</a:t>
+            </a:r>
+            <a:r>
+              <a:rPr lang="it-IT" sz="1600" dirty="0"/>
+              <a:t> </a:t>
+            </a:r>
+            <a:r>
+              <a:rPr lang="it-IT" sz="1600" dirty="0" err="1"/>
+              <a:t>that</a:t>
+            </a:r>
+            <a:r>
+              <a:rPr lang="it-IT" sz="1600" dirty="0"/>
+              <a:t> </a:t>
+            </a:r>
+            <a:r>
+              <a:rPr lang="it-IT" sz="1600" dirty="0" err="1"/>
+              <a:t>at</a:t>
+            </a:r>
+            <a:r>
+              <a:rPr lang="it-IT" sz="1600" dirty="0"/>
+              <a:t> the moment </a:t>
+            </a:r>
+            <a:r>
+              <a:rPr lang="it-IT" sz="1600" dirty="0" err="1"/>
+              <a:t>title</a:t>
+            </a:r>
+            <a:r>
+              <a:rPr lang="it-IT" sz="1600" dirty="0"/>
+              <a:t> </a:t>
+            </a:r>
+            <a:r>
+              <a:rPr lang="it-IT" sz="1600" dirty="0" err="1"/>
+              <a:t>is</a:t>
+            </a:r>
+            <a:r>
+              <a:rPr lang="it-IT" sz="1600" dirty="0"/>
+              <a:t> </a:t>
+            </a:r>
+            <a:r>
+              <a:rPr lang="it-IT" sz="1600" dirty="0" err="1"/>
+              <a:t>enough</a:t>
+            </a:r>
+            <a:r>
+              <a:rPr lang="it-IT" sz="1600" dirty="0"/>
+              <a:t> under-</a:t>
+            </a:r>
+            <a:r>
+              <a:rPr lang="it-IT" sz="1600" dirty="0" err="1"/>
+              <a:t>valued</a:t>
+            </a:r>
+            <a:r>
+              <a:rPr lang="it-IT" sz="1600" dirty="0"/>
+              <a:t>.  </a:t>
             </a:r>
           </a:p>
         </p:txBody>
       </p:sp>
       <p:pic>
         <p:nvPicPr>
-          <p:cNvPr id="7" name="Immagine 6">
-            <a:extLst>
-              <a:ext uri="{FF2B5EF4-FFF2-40B4-BE49-F238E27FC236}">
-                <a16:creationId xmlns:a16="http://schemas.microsoft.com/office/drawing/2014/main" id="{0667C2DB-C56D-463D-B6BF-1C771BB79FEB}"/>
+          <p:cNvPr id="13" name="Immagine 12">
+            <a:extLst>
+              <a:ext uri="{FF2B5EF4-FFF2-40B4-BE49-F238E27FC236}">
+                <a16:creationId xmlns:a16="http://schemas.microsoft.com/office/drawing/2014/main" id="{620DF53E-CFD0-4939-A779-ECC16AD5A097}"/>
               </a:ext>
             </a:extLst>
           </p:cNvPr>
@@ -5675,8 +6165,8 @@
         </p:blipFill>
         <p:spPr>
           <a:xfrm>
-            <a:off x="1947444" y="5488612"/>
-            <a:ext cx="3091248" cy="931507"/>
+            <a:off x="1216137" y="4034929"/>
+            <a:ext cx="2146207" cy="818458"/>
           </a:xfrm>
           <a:prstGeom prst="rect">
             <a:avLst/>
@@ -5685,10 +6175,10 @@
       </p:pic>
       <p:pic>
         <p:nvPicPr>
-          <p:cNvPr id="8" name="Immagine 7">
-            <a:extLst>
-              <a:ext uri="{FF2B5EF4-FFF2-40B4-BE49-F238E27FC236}">
-                <a16:creationId xmlns:a16="http://schemas.microsoft.com/office/drawing/2014/main" id="{9A1EE70E-6A5D-49E2-95A1-D0D3D52A03DB}"/>
+          <p:cNvPr id="14" name="Immagine 13">
+            <a:extLst>
+              <a:ext uri="{FF2B5EF4-FFF2-40B4-BE49-F238E27FC236}">
+                <a16:creationId xmlns:a16="http://schemas.microsoft.com/office/drawing/2014/main" id="{B91CBBE8-0ECC-46F3-8847-2FA6C894BCDB}"/>
               </a:ext>
             </a:extLst>
           </p:cNvPr>
@@ -5705,14 +6195,247 @@
         </p:blipFill>
         <p:spPr>
           <a:xfrm>
-            <a:off x="6280550" y="5405392"/>
-            <a:ext cx="3964006" cy="1097949"/>
+            <a:off x="3740281" y="4034929"/>
+            <a:ext cx="2745303" cy="979267"/>
           </a:xfrm>
           <a:prstGeom prst="rect">
             <a:avLst/>
           </a:prstGeom>
         </p:spPr>
       </p:pic>
+      <p:pic>
+        <p:nvPicPr>
+          <p:cNvPr id="15" name="Immagine 14">
+            <a:extLst>
+              <a:ext uri="{FF2B5EF4-FFF2-40B4-BE49-F238E27FC236}">
+                <a16:creationId xmlns:a16="http://schemas.microsoft.com/office/drawing/2014/main" id="{45A1A5FE-3856-4334-9D92-E8203DECF6CF}"/>
+              </a:ext>
+            </a:extLst>
+          </p:cNvPr>
+          <p:cNvPicPr>
+            <a:picLocks noChangeAspect="1"/>
+          </p:cNvPicPr>
+          <p:nvPr/>
+        </p:nvPicPr>
+        <p:blipFill>
+          <a:blip r:embed="rId6"/>
+          <a:stretch>
+            <a:fillRect/>
+          </a:stretch>
+        </p:blipFill>
+        <p:spPr>
+          <a:xfrm>
+            <a:off x="1216137" y="5658591"/>
+            <a:ext cx="2327163" cy="887466"/>
+          </a:xfrm>
+          <a:prstGeom prst="rect">
+            <a:avLst/>
+          </a:prstGeom>
+        </p:spPr>
+      </p:pic>
+      <p:pic>
+        <p:nvPicPr>
+          <p:cNvPr id="16" name="Immagine 15">
+            <a:extLst>
+              <a:ext uri="{FF2B5EF4-FFF2-40B4-BE49-F238E27FC236}">
+                <a16:creationId xmlns:a16="http://schemas.microsoft.com/office/drawing/2014/main" id="{EDD99B09-6D83-4F5D-88AA-9767F21E2278}"/>
+              </a:ext>
+            </a:extLst>
+          </p:cNvPr>
+          <p:cNvPicPr>
+            <a:picLocks noChangeAspect="1"/>
+          </p:cNvPicPr>
+          <p:nvPr/>
+        </p:nvPicPr>
+        <p:blipFill>
+          <a:blip r:embed="rId7"/>
+          <a:stretch>
+            <a:fillRect/>
+          </a:stretch>
+        </p:blipFill>
+        <p:spPr>
+          <a:xfrm>
+            <a:off x="3740281" y="5524500"/>
+            <a:ext cx="2992537" cy="1067457"/>
+          </a:xfrm>
+          <a:prstGeom prst="rect">
+            <a:avLst/>
+          </a:prstGeom>
+        </p:spPr>
+      </p:pic>
+      <p:sp>
+        <p:nvSpPr>
+          <p:cNvPr id="18" name="CasellaDiTesto 17">
+            <a:extLst>
+              <a:ext uri="{FF2B5EF4-FFF2-40B4-BE49-F238E27FC236}">
+                <a16:creationId xmlns:a16="http://schemas.microsoft.com/office/drawing/2014/main" id="{FDC42E08-8C3B-4A8C-93EC-79BA43C8E1D8}"/>
+              </a:ext>
+            </a:extLst>
+          </p:cNvPr>
+          <p:cNvSpPr txBox="1"/>
+          <p:nvPr/>
+        </p:nvSpPr>
+        <p:spPr>
+          <a:xfrm>
+            <a:off x="7134224" y="5440604"/>
+            <a:ext cx="4505325" cy="1323439"/>
+          </a:xfrm>
+          <a:prstGeom prst="rect">
+            <a:avLst/>
+          </a:prstGeom>
+          <a:noFill/>
+        </p:spPr>
+        <p:txBody>
+          <a:bodyPr wrap="square" rtlCol="0">
+            <a:spAutoFit/>
+          </a:bodyPr>
+          <a:lstStyle/>
+          <a:p>
+            <a:r>
+              <a:rPr lang="it-IT" sz="1600" dirty="0"/>
+              <a:t>In </a:t>
+            </a:r>
+            <a:r>
+              <a:rPr lang="it-IT" sz="1600" dirty="0" err="1"/>
+              <a:t>both</a:t>
+            </a:r>
+            <a:r>
+              <a:rPr lang="it-IT" sz="1600" dirty="0"/>
+              <a:t> </a:t>
+            </a:r>
+            <a:r>
+              <a:rPr lang="it-IT" sz="1600" dirty="0" err="1"/>
+              <a:t>cases</a:t>
+            </a:r>
+            <a:r>
+              <a:rPr lang="it-IT" sz="1600" dirty="0"/>
+              <a:t> A2A stock </a:t>
+            </a:r>
+            <a:r>
+              <a:rPr lang="it-IT" sz="1600" dirty="0" err="1"/>
+              <a:t>seems</a:t>
+            </a:r>
+            <a:r>
+              <a:rPr lang="it-IT" sz="1600" dirty="0"/>
+              <a:t> to be </a:t>
+            </a:r>
+            <a:r>
+              <a:rPr lang="it-IT" sz="1600" dirty="0" err="1"/>
+              <a:t>currently</a:t>
+            </a:r>
+            <a:r>
+              <a:rPr lang="it-IT" sz="1600" dirty="0"/>
+              <a:t> under-</a:t>
+            </a:r>
+            <a:r>
+              <a:rPr lang="it-IT" sz="1600" dirty="0" err="1"/>
+              <a:t>valued</a:t>
+            </a:r>
+            <a:r>
+              <a:rPr lang="it-IT" sz="1600" dirty="0"/>
+              <a:t>. </a:t>
+            </a:r>
+          </a:p>
+          <a:p>
+            <a:r>
+              <a:rPr lang="it-IT" sz="1600" dirty="0" err="1"/>
+              <a:t>Therefore</a:t>
+            </a:r>
+            <a:r>
+              <a:rPr lang="it-IT" sz="1600" dirty="0"/>
+              <a:t>, </a:t>
+            </a:r>
+            <a:r>
+              <a:rPr lang="it-IT" sz="1600" dirty="0" err="1"/>
+              <a:t>without</a:t>
+            </a:r>
+            <a:r>
+              <a:rPr lang="it-IT" sz="1600" dirty="0"/>
+              <a:t> </a:t>
+            </a:r>
+            <a:r>
+              <a:rPr lang="it-IT" sz="1600" dirty="0" err="1"/>
+              <a:t>considering</a:t>
+            </a:r>
+            <a:r>
+              <a:rPr lang="it-IT" sz="1600" dirty="0"/>
+              <a:t> </a:t>
+            </a:r>
+            <a:r>
+              <a:rPr lang="it-IT" sz="1600" dirty="0" err="1"/>
+              <a:t>possible</a:t>
+            </a:r>
+            <a:r>
+              <a:rPr lang="it-IT" sz="1600" dirty="0"/>
+              <a:t> negative </a:t>
+            </a:r>
+            <a:r>
+              <a:rPr lang="it-IT" sz="1600" dirty="0" err="1"/>
+              <a:t>effects</a:t>
+            </a:r>
+            <a:r>
+              <a:rPr lang="it-IT" sz="1600" dirty="0"/>
+              <a:t> of </a:t>
+            </a:r>
+            <a:r>
+              <a:rPr lang="it-IT" sz="1600" dirty="0" err="1"/>
+              <a:t>covid</a:t>
+            </a:r>
+            <a:r>
+              <a:rPr lang="it-IT" sz="1600" dirty="0"/>
+              <a:t> on future cost of equity </a:t>
+            </a:r>
+            <a:r>
+              <a:rPr lang="it-IT" sz="1600" dirty="0" err="1"/>
+              <a:t>values</a:t>
+            </a:r>
+            <a:r>
+              <a:rPr lang="it-IT" sz="1600" dirty="0"/>
+              <a:t> I can </a:t>
+            </a:r>
+            <a:r>
+              <a:rPr lang="it-IT" sz="1600" dirty="0" err="1"/>
+              <a:t>suggest</a:t>
+            </a:r>
+            <a:r>
+              <a:rPr lang="it-IT" sz="1600" dirty="0"/>
+              <a:t>, from </a:t>
+            </a:r>
+            <a:r>
+              <a:rPr lang="it-IT" sz="1600" dirty="0" err="1"/>
+              <a:t>these</a:t>
+            </a:r>
+            <a:r>
+              <a:rPr lang="it-IT" sz="1600" dirty="0"/>
+              <a:t> </a:t>
+            </a:r>
+            <a:r>
+              <a:rPr lang="it-IT" sz="1600" dirty="0" err="1"/>
+              <a:t>results</a:t>
+            </a:r>
+            <a:r>
+              <a:rPr lang="it-IT" sz="1600" dirty="0"/>
+              <a:t>, to </a:t>
+            </a:r>
+            <a:r>
+              <a:rPr lang="it-IT" sz="1600" b="1" dirty="0" err="1"/>
+              <a:t>buy</a:t>
+            </a:r>
+            <a:r>
+              <a:rPr lang="it-IT" sz="1600" b="1" dirty="0"/>
+              <a:t> </a:t>
+            </a:r>
+            <a:r>
+              <a:rPr lang="it-IT" sz="1600" b="1" dirty="0" err="1"/>
+              <a:t>it</a:t>
+            </a:r>
+            <a:r>
+              <a:rPr lang="it-IT" sz="1600" dirty="0"/>
+              <a:t>. </a:t>
+            </a:r>
+          </a:p>
+        </p:txBody>
+      </p:sp>
     </p:spTree>
     <p:extLst>
       <p:ext uri="{BB962C8B-B14F-4D97-AF65-F5344CB8AC3E}">
